--- a/A1 Poster COMP1004 MB.pptx
+++ b/A1 Poster COMP1004 MB.pptx
@@ -11,7 +11,7 @@
     <p:sldId id="256" r:id="rId5"/>
   </p:sldIdLst>
   <p:sldSz cx="30275213" cy="21383625"/>
-  <p:notesSz cx="6858000" cy="9144000"/>
+  <p:notesSz cx="7104063" cy="10234613"/>
   <p:defaultTextStyle>
     <a:defPPr>
       <a:defRPr lang="en-US"/>
@@ -124,12 +124,12 @@
     </p:ext>
     <p:ext uri="{2D200454-40CA-4A62-9FC3-DE9A4176ACB9}">
       <p15:notesGuideLst xmlns:p15="http://schemas.microsoft.com/office/powerpoint/2012/main">
-        <p15:guide id="1" orient="horz" pos="2880" userDrawn="1">
+        <p15:guide id="1" orient="horz" pos="3224" userDrawn="1">
           <p15:clr>
             <a:srgbClr val="A4A3A4"/>
           </p15:clr>
         </p15:guide>
-        <p15:guide id="2" pos="2160" userDrawn="1">
+        <p15:guide id="2" pos="2238" userDrawn="1">
           <p15:clr>
             <a:srgbClr val="A4A3A4"/>
           </p15:clr>
@@ -138,6 +138,91 @@
     </p:ext>
   </p:extLst>
 </p:presentation>
+</file>
+
+<file path=ppt/revisionInfo.xml><?xml version="1.0" encoding="utf-8"?>
+<p1510:revInfo xmlns:a="http://schemas.openxmlformats.org/drawingml/2006/main" xmlns:r="http://schemas.openxmlformats.org/officeDocument/2006/relationships" xmlns:p1510="http://schemas.microsoft.com/office/powerpoint/2015/10/main">
+  <p1510:revLst>
+    <p1510:client id="{83C842FE-6995-4882-B72E-D3713F9D48BE}" v="1" dt="2025-03-17T22:12:21.842"/>
+  </p1510:revLst>
+</p1510:revInfo>
+</file>
+
+<file path=ppt/changesInfos/changesInfo1.xml><?xml version="1.0" encoding="utf-8"?>
+<pc:chgInfo xmlns:a="http://schemas.openxmlformats.org/drawingml/2006/main" xmlns:r="http://schemas.openxmlformats.org/officeDocument/2006/relationships" xmlns:ac="http://schemas.microsoft.com/office/drawing/2013/main/command" xmlns:pc="http://schemas.microsoft.com/office/powerpoint/2013/main/command">
+  <pc:docChgLst>
+    <pc:chgData name="Martin Bath" userId="10ed2a8438d10cb3" providerId="LiveId" clId="{83C842FE-6995-4882-B72E-D3713F9D48BE}"/>
+    <pc:docChg chg="modSld modNotesMaster">
+      <pc:chgData name="Martin Bath" userId="10ed2a8438d10cb3" providerId="LiveId" clId="{83C842FE-6995-4882-B72E-D3713F9D48BE}" dt="2025-03-18T18:24:38.959" v="229" actId="14100"/>
+      <pc:docMkLst>
+        <pc:docMk/>
+      </pc:docMkLst>
+      <pc:sldChg chg="addSp modSp mod setBg modNotes">
+        <pc:chgData name="Martin Bath" userId="10ed2a8438d10cb3" providerId="LiveId" clId="{83C842FE-6995-4882-B72E-D3713F9D48BE}" dt="2025-03-18T18:24:38.959" v="229" actId="14100"/>
+        <pc:sldMkLst>
+          <pc:docMk/>
+          <pc:sldMk cId="530449856" sldId="256"/>
+        </pc:sldMkLst>
+        <pc:spChg chg="add mod">
+          <ac:chgData name="Martin Bath" userId="10ed2a8438d10cb3" providerId="LiveId" clId="{83C842FE-6995-4882-B72E-D3713F9D48BE}" dt="2025-03-17T22:17:20.522" v="28" actId="255"/>
+          <ac:spMkLst>
+            <pc:docMk/>
+            <pc:sldMk cId="530449856" sldId="256"/>
+            <ac:spMk id="2" creationId="{CE6B8872-82A7-C0E4-3566-4FA6BD7088BA}"/>
+          </ac:spMkLst>
+        </pc:spChg>
+        <pc:spChg chg="add mod">
+          <ac:chgData name="Martin Bath" userId="10ed2a8438d10cb3" providerId="LiveId" clId="{83C842FE-6995-4882-B72E-D3713F9D48BE}" dt="2025-03-18T18:23:17.479" v="89" actId="1037"/>
+          <ac:spMkLst>
+            <pc:docMk/>
+            <pc:sldMk cId="530449856" sldId="256"/>
+            <ac:spMk id="3" creationId="{D2C877C4-52CC-BA60-7BC1-1F97B61B20BC}"/>
+          </ac:spMkLst>
+        </pc:spChg>
+        <pc:spChg chg="add mod">
+          <ac:chgData name="Martin Bath" userId="10ed2a8438d10cb3" providerId="LiveId" clId="{83C842FE-6995-4882-B72E-D3713F9D48BE}" dt="2025-03-18T18:23:03.925" v="82" actId="1037"/>
+          <ac:spMkLst>
+            <pc:docMk/>
+            <pc:sldMk cId="530449856" sldId="256"/>
+            <ac:spMk id="4" creationId="{1DB5214E-261B-80C5-D419-9B8C295CB5F0}"/>
+          </ac:spMkLst>
+        </pc:spChg>
+        <pc:spChg chg="add mod">
+          <ac:chgData name="Martin Bath" userId="10ed2a8438d10cb3" providerId="LiveId" clId="{83C842FE-6995-4882-B72E-D3713F9D48BE}" dt="2025-03-18T18:23:29.042" v="97" actId="1036"/>
+          <ac:spMkLst>
+            <pc:docMk/>
+            <pc:sldMk cId="530449856" sldId="256"/>
+            <ac:spMk id="7" creationId="{2C8FD0B0-1B72-2861-A7F4-2A604E1EB0CF}"/>
+          </ac:spMkLst>
+        </pc:spChg>
+        <pc:picChg chg="mod">
+          <ac:chgData name="Martin Bath" userId="10ed2a8438d10cb3" providerId="LiveId" clId="{83C842FE-6995-4882-B72E-D3713F9D48BE}" dt="2025-03-18T18:24:38.959" v="229" actId="14100"/>
+          <ac:picMkLst>
+            <pc:docMk/>
+            <pc:sldMk cId="530449856" sldId="256"/>
+            <ac:picMk id="11" creationId="{11A3CD12-A6AD-2472-AE33-62215D56E79B}"/>
+          </ac:picMkLst>
+        </pc:picChg>
+        <pc:picChg chg="mod">
+          <ac:chgData name="Martin Bath" userId="10ed2a8438d10cb3" providerId="LiveId" clId="{83C842FE-6995-4882-B72E-D3713F9D48BE}" dt="2025-03-18T18:24:18.751" v="197" actId="1038"/>
+          <ac:picMkLst>
+            <pc:docMk/>
+            <pc:sldMk cId="530449856" sldId="256"/>
+            <ac:picMk id="12" creationId="{235360F4-26EC-2B8A-1FB8-FC807FC02D54}"/>
+          </ac:picMkLst>
+        </pc:picChg>
+        <pc:picChg chg="mod">
+          <ac:chgData name="Martin Bath" userId="10ed2a8438d10cb3" providerId="LiveId" clId="{83C842FE-6995-4882-B72E-D3713F9D48BE}" dt="2025-03-18T18:19:09.229" v="49" actId="14826"/>
+          <ac:picMkLst>
+            <pc:docMk/>
+            <pc:sldMk cId="530449856" sldId="256"/>
+            <ac:picMk id="17" creationId="{87F8A553-B60B-238B-FD60-DFF94A2A56E0}"/>
+          </ac:picMkLst>
+        </pc:picChg>
+      </pc:sldChg>
+    </pc:docChg>
+  </pc:docChgLst>
+</pc:chgInfo>
 </file>
 
 <file path=ppt/notesMasters/notesMaster1.xml><?xml version="1.0" encoding="utf-8"?>
@@ -175,21 +260,21 @@
         <p:spPr>
           <a:xfrm>
             <a:off x="0" y="0"/>
-            <a:ext cx="2971800" cy="458788"/>
+            <a:ext cx="3078427" cy="513508"/>
           </a:xfrm>
           <a:prstGeom prst="rect">
             <a:avLst/>
           </a:prstGeom>
         </p:spPr>
         <p:txBody>
-          <a:bodyPr vert="horz" lIns="91440" tIns="45720" rIns="91440" bIns="45720" rtlCol="0"/>
+          <a:bodyPr vert="horz" lIns="99075" tIns="49538" rIns="99075" bIns="49538" rtlCol="0"/>
           <a:lstStyle>
             <a:lvl1pPr algn="l">
-              <a:defRPr sz="1200"/>
+              <a:defRPr sz="1300"/>
             </a:lvl1pPr>
           </a:lstStyle>
           <a:p>
-            <a:endParaRPr lang="en-GB"/>
+            <a:endParaRPr lang="en-GB" dirty="0"/>
           </a:p>
         </p:txBody>
       </p:sp>
@@ -205,26 +290,26 @@
         </p:nvSpPr>
         <p:spPr>
           <a:xfrm>
-            <a:off x="3884613" y="0"/>
-            <a:ext cx="2971800" cy="458788"/>
+            <a:off x="4023992" y="0"/>
+            <a:ext cx="3078427" cy="513508"/>
           </a:xfrm>
           <a:prstGeom prst="rect">
             <a:avLst/>
           </a:prstGeom>
         </p:spPr>
         <p:txBody>
-          <a:bodyPr vert="horz" lIns="91440" tIns="45720" rIns="91440" bIns="45720" rtlCol="0"/>
+          <a:bodyPr vert="horz" lIns="99075" tIns="49538" rIns="99075" bIns="49538" rtlCol="0"/>
           <a:lstStyle>
             <a:lvl1pPr algn="r">
-              <a:defRPr sz="1200"/>
+              <a:defRPr sz="1300"/>
             </a:lvl1pPr>
           </a:lstStyle>
           <a:p>
             <a:fld id="{40B2206F-7194-4E11-805A-5295AF5385CE}" type="datetimeFigureOut">
               <a:rPr lang="en-GB" smtClean="0"/>
-              <a:t>17/03/2025</a:t>
+              <a:t>18/03/2025</a:t>
             </a:fld>
-            <a:endParaRPr lang="en-GB"/>
+            <a:endParaRPr lang="en-GB" dirty="0"/>
           </a:p>
         </p:txBody>
       </p:sp>
@@ -240,8 +325,8 @@
         </p:nvSpPr>
         <p:spPr>
           <a:xfrm>
-            <a:off x="1244600" y="1143000"/>
-            <a:ext cx="4368800" cy="3086100"/>
+            <a:off x="1108075" y="1279525"/>
+            <a:ext cx="4887913" cy="3454400"/>
           </a:xfrm>
           <a:prstGeom prst="rect">
             <a:avLst/>
@@ -254,10 +339,10 @@
           </a:ln>
         </p:spPr>
         <p:txBody>
-          <a:bodyPr vert="horz" lIns="91440" tIns="45720" rIns="91440" bIns="45720" rtlCol="0" anchor="ctr"/>
-          <a:lstStyle/>
-          <a:p>
-            <a:endParaRPr lang="en-GB"/>
+          <a:bodyPr vert="horz" lIns="99075" tIns="49538" rIns="99075" bIns="49538" rtlCol="0" anchor="ctr"/>
+          <a:lstStyle/>
+          <a:p>
+            <a:endParaRPr lang="en-GB" dirty="0"/>
           </a:p>
         </p:txBody>
       </p:sp>
@@ -273,15 +358,15 @@
         </p:nvSpPr>
         <p:spPr>
           <a:xfrm>
-            <a:off x="685800" y="4400550"/>
-            <a:ext cx="5486400" cy="3600450"/>
+            <a:off x="710407" y="4925407"/>
+            <a:ext cx="5683250" cy="4029879"/>
           </a:xfrm>
           <a:prstGeom prst="rect">
             <a:avLst/>
           </a:prstGeom>
         </p:spPr>
         <p:txBody>
-          <a:bodyPr vert="horz" lIns="91440" tIns="45720" rIns="91440" bIns="45720" rtlCol="0"/>
+          <a:bodyPr vert="horz" lIns="99075" tIns="49538" rIns="99075" bIns="49538" rtlCol="0"/>
           <a:lstStyle/>
           <a:p>
             <a:pPr lvl="0"/>
@@ -333,22 +418,22 @@
         </p:nvSpPr>
         <p:spPr>
           <a:xfrm>
-            <a:off x="0" y="8685213"/>
-            <a:ext cx="2971800" cy="458787"/>
+            <a:off x="0" y="9721107"/>
+            <a:ext cx="3078427" cy="513507"/>
           </a:xfrm>
           <a:prstGeom prst="rect">
             <a:avLst/>
           </a:prstGeom>
         </p:spPr>
         <p:txBody>
-          <a:bodyPr vert="horz" lIns="91440" tIns="45720" rIns="91440" bIns="45720" rtlCol="0" anchor="b"/>
+          <a:bodyPr vert="horz" lIns="99075" tIns="49538" rIns="99075" bIns="49538" rtlCol="0" anchor="b"/>
           <a:lstStyle>
             <a:lvl1pPr algn="l">
-              <a:defRPr sz="1200"/>
+              <a:defRPr sz="1300"/>
             </a:lvl1pPr>
           </a:lstStyle>
           <a:p>
-            <a:endParaRPr lang="en-GB"/>
+            <a:endParaRPr lang="en-GB" dirty="0"/>
           </a:p>
         </p:txBody>
       </p:sp>
@@ -364,18 +449,18 @@
         </p:nvSpPr>
         <p:spPr>
           <a:xfrm>
-            <a:off x="3884613" y="8685213"/>
-            <a:ext cx="2971800" cy="458787"/>
+            <a:off x="4023992" y="9721107"/>
+            <a:ext cx="3078427" cy="513507"/>
           </a:xfrm>
           <a:prstGeom prst="rect">
             <a:avLst/>
           </a:prstGeom>
         </p:spPr>
         <p:txBody>
-          <a:bodyPr vert="horz" lIns="91440" tIns="45720" rIns="91440" bIns="45720" rtlCol="0" anchor="b"/>
+          <a:bodyPr vert="horz" lIns="99075" tIns="49538" rIns="99075" bIns="49538" rtlCol="0" anchor="b"/>
           <a:lstStyle>
             <a:lvl1pPr algn="r">
-              <a:defRPr sz="1200"/>
+              <a:defRPr sz="1300"/>
             </a:lvl1pPr>
           </a:lstStyle>
           <a:p>
@@ -383,7 +468,7 @@
               <a:rPr lang="en-GB" smtClean="0"/>
               <a:t>‹#›</a:t>
             </a:fld>
-            <a:endParaRPr lang="en-GB"/>
+            <a:endParaRPr lang="en-GB" dirty="0"/>
           </a:p>
         </p:txBody>
       </p:sp>
@@ -519,8 +604,8 @@
         </p:nvSpPr>
         <p:spPr>
           <a:xfrm>
-            <a:off x="1244600" y="1143000"/>
-            <a:ext cx="4368800" cy="3086100"/>
+            <a:off x="1108075" y="1279525"/>
+            <a:ext cx="4887913" cy="3454400"/>
           </a:xfrm>
         </p:spPr>
       </p:sp>
@@ -562,7 +647,7 @@
               <a:rPr lang="en-GB" smtClean="0"/>
               <a:t>1</a:t>
             </a:fld>
-            <a:endParaRPr lang="en-GB"/>
+            <a:endParaRPr lang="en-GB" dirty="0"/>
           </a:p>
         </p:txBody>
       </p:sp>
@@ -710,9 +795,9 @@
           <a:p>
             <a:fld id="{1381CABE-BD8A-4ED8-BE60-32148880DEC7}" type="datetimeFigureOut">
               <a:rPr lang="en-GB" smtClean="0"/>
-              <a:t>17/03/2025</a:t>
+              <a:t>18/03/2025</a:t>
             </a:fld>
-            <a:endParaRPr lang="en-GB"/>
+            <a:endParaRPr lang="en-GB" dirty="0"/>
           </a:p>
         </p:txBody>
       </p:sp>
@@ -731,7 +816,7 @@
           <a:bodyPr/>
           <a:lstStyle/>
           <a:p>
-            <a:endParaRPr lang="en-GB"/>
+            <a:endParaRPr lang="en-GB" dirty="0"/>
           </a:p>
         </p:txBody>
       </p:sp>
@@ -754,7 +839,7 @@
               <a:rPr lang="en-GB" smtClean="0"/>
               <a:t>‹#›</a:t>
             </a:fld>
-            <a:endParaRPr lang="en-GB"/>
+            <a:endParaRPr lang="en-GB" dirty="0"/>
           </a:p>
         </p:txBody>
       </p:sp>
@@ -880,9 +965,9 @@
           <a:p>
             <a:fld id="{1381CABE-BD8A-4ED8-BE60-32148880DEC7}" type="datetimeFigureOut">
               <a:rPr lang="en-GB" smtClean="0"/>
-              <a:t>17/03/2025</a:t>
+              <a:t>18/03/2025</a:t>
             </a:fld>
-            <a:endParaRPr lang="en-GB"/>
+            <a:endParaRPr lang="en-GB" dirty="0"/>
           </a:p>
         </p:txBody>
       </p:sp>
@@ -901,7 +986,7 @@
           <a:bodyPr/>
           <a:lstStyle/>
           <a:p>
-            <a:endParaRPr lang="en-GB"/>
+            <a:endParaRPr lang="en-GB" dirty="0"/>
           </a:p>
         </p:txBody>
       </p:sp>
@@ -924,7 +1009,7 @@
               <a:rPr lang="en-GB" smtClean="0"/>
               <a:t>‹#›</a:t>
             </a:fld>
-            <a:endParaRPr lang="en-GB"/>
+            <a:endParaRPr lang="en-GB" dirty="0"/>
           </a:p>
         </p:txBody>
       </p:sp>
@@ -1060,9 +1145,9 @@
           <a:p>
             <a:fld id="{1381CABE-BD8A-4ED8-BE60-32148880DEC7}" type="datetimeFigureOut">
               <a:rPr lang="en-GB" smtClean="0"/>
-              <a:t>17/03/2025</a:t>
+              <a:t>18/03/2025</a:t>
             </a:fld>
-            <a:endParaRPr lang="en-GB"/>
+            <a:endParaRPr lang="en-GB" dirty="0"/>
           </a:p>
         </p:txBody>
       </p:sp>
@@ -1081,7 +1166,7 @@
           <a:bodyPr/>
           <a:lstStyle/>
           <a:p>
-            <a:endParaRPr lang="en-GB"/>
+            <a:endParaRPr lang="en-GB" dirty="0"/>
           </a:p>
         </p:txBody>
       </p:sp>
@@ -1104,7 +1189,7 @@
               <a:rPr lang="en-GB" smtClean="0"/>
               <a:t>‹#›</a:t>
             </a:fld>
-            <a:endParaRPr lang="en-GB"/>
+            <a:endParaRPr lang="en-GB" dirty="0"/>
           </a:p>
         </p:txBody>
       </p:sp>
@@ -1230,9 +1315,9 @@
           <a:p>
             <a:fld id="{1381CABE-BD8A-4ED8-BE60-32148880DEC7}" type="datetimeFigureOut">
               <a:rPr lang="en-GB" smtClean="0"/>
-              <a:t>17/03/2025</a:t>
+              <a:t>18/03/2025</a:t>
             </a:fld>
-            <a:endParaRPr lang="en-GB"/>
+            <a:endParaRPr lang="en-GB" dirty="0"/>
           </a:p>
         </p:txBody>
       </p:sp>
@@ -1251,7 +1336,7 @@
           <a:bodyPr/>
           <a:lstStyle/>
           <a:p>
-            <a:endParaRPr lang="en-GB"/>
+            <a:endParaRPr lang="en-GB" dirty="0"/>
           </a:p>
         </p:txBody>
       </p:sp>
@@ -1274,7 +1359,7 @@
               <a:rPr lang="en-GB" smtClean="0"/>
               <a:t>‹#›</a:t>
             </a:fld>
-            <a:endParaRPr lang="en-GB"/>
+            <a:endParaRPr lang="en-GB" dirty="0"/>
           </a:p>
         </p:txBody>
       </p:sp>
@@ -1474,9 +1559,9 @@
           <a:p>
             <a:fld id="{1381CABE-BD8A-4ED8-BE60-32148880DEC7}" type="datetimeFigureOut">
               <a:rPr lang="en-GB" smtClean="0"/>
-              <a:t>17/03/2025</a:t>
+              <a:t>18/03/2025</a:t>
             </a:fld>
-            <a:endParaRPr lang="en-GB"/>
+            <a:endParaRPr lang="en-GB" dirty="0"/>
           </a:p>
         </p:txBody>
       </p:sp>
@@ -1495,7 +1580,7 @@
           <a:bodyPr/>
           <a:lstStyle/>
           <a:p>
-            <a:endParaRPr lang="en-GB"/>
+            <a:endParaRPr lang="en-GB" dirty="0"/>
           </a:p>
         </p:txBody>
       </p:sp>
@@ -1518,7 +1603,7 @@
               <a:rPr lang="en-GB" smtClean="0"/>
               <a:t>‹#›</a:t>
             </a:fld>
-            <a:endParaRPr lang="en-GB"/>
+            <a:endParaRPr lang="en-GB" dirty="0"/>
           </a:p>
         </p:txBody>
       </p:sp>
@@ -1706,9 +1791,9 @@
           <a:p>
             <a:fld id="{1381CABE-BD8A-4ED8-BE60-32148880DEC7}" type="datetimeFigureOut">
               <a:rPr lang="en-GB" smtClean="0"/>
-              <a:t>17/03/2025</a:t>
+              <a:t>18/03/2025</a:t>
             </a:fld>
-            <a:endParaRPr lang="en-GB"/>
+            <a:endParaRPr lang="en-GB" dirty="0"/>
           </a:p>
         </p:txBody>
       </p:sp>
@@ -1727,7 +1812,7 @@
           <a:bodyPr/>
           <a:lstStyle/>
           <a:p>
-            <a:endParaRPr lang="en-GB"/>
+            <a:endParaRPr lang="en-GB" dirty="0"/>
           </a:p>
         </p:txBody>
       </p:sp>
@@ -1750,7 +1835,7 @@
               <a:rPr lang="en-GB" smtClean="0"/>
               <a:t>‹#›</a:t>
             </a:fld>
-            <a:endParaRPr lang="en-GB"/>
+            <a:endParaRPr lang="en-GB" dirty="0"/>
           </a:p>
         </p:txBody>
       </p:sp>
@@ -2073,9 +2158,9 @@
           <a:p>
             <a:fld id="{1381CABE-BD8A-4ED8-BE60-32148880DEC7}" type="datetimeFigureOut">
               <a:rPr lang="en-GB" smtClean="0"/>
-              <a:t>17/03/2025</a:t>
+              <a:t>18/03/2025</a:t>
             </a:fld>
-            <a:endParaRPr lang="en-GB"/>
+            <a:endParaRPr lang="en-GB" dirty="0"/>
           </a:p>
         </p:txBody>
       </p:sp>
@@ -2094,7 +2179,7 @@
           <a:bodyPr/>
           <a:lstStyle/>
           <a:p>
-            <a:endParaRPr lang="en-GB"/>
+            <a:endParaRPr lang="en-GB" dirty="0"/>
           </a:p>
         </p:txBody>
       </p:sp>
@@ -2117,7 +2202,7 @@
               <a:rPr lang="en-GB" smtClean="0"/>
               <a:t>‹#›</a:t>
             </a:fld>
-            <a:endParaRPr lang="en-GB"/>
+            <a:endParaRPr lang="en-GB" dirty="0"/>
           </a:p>
         </p:txBody>
       </p:sp>
@@ -2191,9 +2276,9 @@
           <a:p>
             <a:fld id="{1381CABE-BD8A-4ED8-BE60-32148880DEC7}" type="datetimeFigureOut">
               <a:rPr lang="en-GB" smtClean="0"/>
-              <a:t>17/03/2025</a:t>
+              <a:t>18/03/2025</a:t>
             </a:fld>
-            <a:endParaRPr lang="en-GB"/>
+            <a:endParaRPr lang="en-GB" dirty="0"/>
           </a:p>
         </p:txBody>
       </p:sp>
@@ -2212,7 +2297,7 @@
           <a:bodyPr/>
           <a:lstStyle/>
           <a:p>
-            <a:endParaRPr lang="en-GB"/>
+            <a:endParaRPr lang="en-GB" dirty="0"/>
           </a:p>
         </p:txBody>
       </p:sp>
@@ -2235,7 +2320,7 @@
               <a:rPr lang="en-GB" smtClean="0"/>
               <a:t>‹#›</a:t>
             </a:fld>
-            <a:endParaRPr lang="en-GB"/>
+            <a:endParaRPr lang="en-GB" dirty="0"/>
           </a:p>
         </p:txBody>
       </p:sp>
@@ -2286,9 +2371,9 @@
           <a:p>
             <a:fld id="{1381CABE-BD8A-4ED8-BE60-32148880DEC7}" type="datetimeFigureOut">
               <a:rPr lang="en-GB" smtClean="0"/>
-              <a:t>17/03/2025</a:t>
+              <a:t>18/03/2025</a:t>
             </a:fld>
-            <a:endParaRPr lang="en-GB"/>
+            <a:endParaRPr lang="en-GB" dirty="0"/>
           </a:p>
         </p:txBody>
       </p:sp>
@@ -2307,7 +2392,7 @@
           <a:bodyPr/>
           <a:lstStyle/>
           <a:p>
-            <a:endParaRPr lang="en-GB"/>
+            <a:endParaRPr lang="en-GB" dirty="0"/>
           </a:p>
         </p:txBody>
       </p:sp>
@@ -2330,7 +2415,7 @@
               <a:rPr lang="en-GB" smtClean="0"/>
               <a:t>‹#›</a:t>
             </a:fld>
-            <a:endParaRPr lang="en-GB"/>
+            <a:endParaRPr lang="en-GB" dirty="0"/>
           </a:p>
         </p:txBody>
       </p:sp>
@@ -2563,9 +2648,9 @@
           <a:p>
             <a:fld id="{1381CABE-BD8A-4ED8-BE60-32148880DEC7}" type="datetimeFigureOut">
               <a:rPr lang="en-GB" smtClean="0"/>
-              <a:t>17/03/2025</a:t>
+              <a:t>18/03/2025</a:t>
             </a:fld>
-            <a:endParaRPr lang="en-GB"/>
+            <a:endParaRPr lang="en-GB" dirty="0"/>
           </a:p>
         </p:txBody>
       </p:sp>
@@ -2584,7 +2669,7 @@
           <a:bodyPr/>
           <a:lstStyle/>
           <a:p>
-            <a:endParaRPr lang="en-GB"/>
+            <a:endParaRPr lang="en-GB" dirty="0"/>
           </a:p>
         </p:txBody>
       </p:sp>
@@ -2607,7 +2692,7 @@
               <a:rPr lang="en-GB" smtClean="0"/>
               <a:t>‹#›</a:t>
             </a:fld>
-            <a:endParaRPr lang="en-GB"/>
+            <a:endParaRPr lang="en-GB" dirty="0"/>
           </a:p>
         </p:txBody>
       </p:sp>
@@ -2731,7 +2816,7 @@
           </a:lstStyle>
           <a:p>
             <a:r>
-              <a:rPr lang="en-GB"/>
+              <a:rPr lang="en-GB" dirty="0"/>
               <a:t>Click icon to add picture</a:t>
             </a:r>
             <a:endParaRPr lang="en-US" dirty="0"/>
@@ -2820,9 +2905,9 @@
           <a:p>
             <a:fld id="{1381CABE-BD8A-4ED8-BE60-32148880DEC7}" type="datetimeFigureOut">
               <a:rPr lang="en-GB" smtClean="0"/>
-              <a:t>17/03/2025</a:t>
+              <a:t>18/03/2025</a:t>
             </a:fld>
-            <a:endParaRPr lang="en-GB"/>
+            <a:endParaRPr lang="en-GB" dirty="0"/>
           </a:p>
         </p:txBody>
       </p:sp>
@@ -2841,7 +2926,7 @@
           <a:bodyPr/>
           <a:lstStyle/>
           <a:p>
-            <a:endParaRPr lang="en-GB"/>
+            <a:endParaRPr lang="en-GB" dirty="0"/>
           </a:p>
         </p:txBody>
       </p:sp>
@@ -2864,7 +2949,7 @@
               <a:rPr lang="en-GB" smtClean="0"/>
               <a:t>‹#›</a:t>
             </a:fld>
-            <a:endParaRPr lang="en-GB"/>
+            <a:endParaRPr lang="en-GB" dirty="0"/>
           </a:p>
         </p:txBody>
       </p:sp>
@@ -3033,9 +3118,9 @@
           <a:p>
             <a:fld id="{1381CABE-BD8A-4ED8-BE60-32148880DEC7}" type="datetimeFigureOut">
               <a:rPr lang="en-GB" smtClean="0"/>
-              <a:t>17/03/2025</a:t>
+              <a:t>18/03/2025</a:t>
             </a:fld>
-            <a:endParaRPr lang="en-GB"/>
+            <a:endParaRPr lang="en-GB" dirty="0"/>
           </a:p>
         </p:txBody>
       </p:sp>
@@ -3072,7 +3157,7 @@
             </a:lvl1pPr>
           </a:lstStyle>
           <a:p>
-            <a:endParaRPr lang="en-GB"/>
+            <a:endParaRPr lang="en-GB" dirty="0"/>
           </a:p>
         </p:txBody>
       </p:sp>
@@ -3113,7 +3198,7 @@
               <a:rPr lang="en-GB" smtClean="0"/>
               <a:t>‹#›</a:t>
             </a:fld>
-            <a:endParaRPr lang="en-GB"/>
+            <a:endParaRPr lang="en-GB" dirty="0"/>
           </a:p>
         </p:txBody>
       </p:sp>
@@ -3426,12 +3511,15 @@
   <p:cSld>
     <p:bg>
       <p:bgPr>
-        <a:solidFill>
-          <a:schemeClr val="accent4">
-            <a:lumMod val="20000"/>
-            <a:lumOff val="80000"/>
-          </a:schemeClr>
-        </a:solidFill>
+        <a:blipFill dpi="0" rotWithShape="1">
+          <a:blip r:embed="rId3">
+            <a:lum/>
+          </a:blip>
+          <a:srcRect/>
+          <a:stretch>
+            <a:fillRect/>
+          </a:stretch>
+        </a:blipFill>
         <a:effectLst/>
       </p:bgPr>
     </p:bg>
@@ -3449,48 +3537,64 @@
           <a:chExt cx="0" cy="0"/>
         </a:xfrm>
       </p:grpSpPr>
+      <p:sp>
+        <p:nvSpPr>
+          <p:cNvPr id="9" name="Rectangle 8">
+            <a:extLst>
+              <a:ext uri="{FF2B5EF4-FFF2-40B4-BE49-F238E27FC236}">
+                <a16:creationId xmlns:a16="http://schemas.microsoft.com/office/drawing/2014/main" id="{C4E71E11-8A66-F304-1484-5D2F3BF0E3E2}"/>
+              </a:ext>
+            </a:extLst>
+          </p:cNvPr>
+          <p:cNvSpPr/>
+          <p:nvPr/>
+        </p:nvSpPr>
+        <p:spPr>
+          <a:xfrm>
+            <a:off x="38100" y="19226463"/>
+            <a:ext cx="30275213" cy="2234079"/>
+          </a:xfrm>
+          <a:prstGeom prst="rect">
+            <a:avLst/>
+          </a:prstGeom>
+          <a:solidFill>
+            <a:schemeClr val="accent1">
+              <a:lumMod val="40000"/>
+              <a:lumOff val="60000"/>
+            </a:schemeClr>
+          </a:solidFill>
+        </p:spPr>
+        <p:style>
+          <a:lnRef idx="2">
+            <a:schemeClr val="accent1">
+              <a:shade val="15000"/>
+            </a:schemeClr>
+          </a:lnRef>
+          <a:fillRef idx="1">
+            <a:schemeClr val="accent1"/>
+          </a:fillRef>
+          <a:effectRef idx="0">
+            <a:schemeClr val="accent1"/>
+          </a:effectRef>
+          <a:fontRef idx="minor">
+            <a:schemeClr val="lt1"/>
+          </a:fontRef>
+        </p:style>
+        <p:txBody>
+          <a:bodyPr rtlCol="0" anchor="ctr"/>
+          <a:lstStyle/>
+          <a:p>
+            <a:pPr algn="ctr"/>
+            <a:endParaRPr lang="en-GB" dirty="0"/>
+          </a:p>
+        </p:txBody>
+      </p:sp>
       <p:pic>
         <p:nvPicPr>
           <p:cNvPr id="61" name="Picture 60">
             <a:extLst>
               <a:ext uri="{FF2B5EF4-FFF2-40B4-BE49-F238E27FC236}">
                 <a16:creationId xmlns:a16="http://schemas.microsoft.com/office/drawing/2014/main" id="{2671E070-F0F5-1668-BC75-A573BF3F81FC}"/>
-              </a:ext>
-            </a:extLst>
-          </p:cNvPr>
-          <p:cNvPicPr>
-            <a:picLocks noChangeAspect="1"/>
-          </p:cNvPicPr>
-          <p:nvPr/>
-        </p:nvPicPr>
-        <p:blipFill>
-          <a:blip r:embed="rId3">
-            <a:extLst>
-              <a:ext uri="{28A0092B-C50C-407E-A947-70E740481C1C}">
-                <a14:useLocalDpi xmlns:a14="http://schemas.microsoft.com/office/drawing/2010/main" val="0"/>
-              </a:ext>
-            </a:extLst>
-          </a:blip>
-          <a:stretch>
-            <a:fillRect/>
-          </a:stretch>
-        </p:blipFill>
-        <p:spPr>
-          <a:xfrm>
-            <a:off x="421876" y="20011187"/>
-            <a:ext cx="5163323" cy="1066802"/>
-          </a:xfrm>
-          <a:prstGeom prst="rect">
-            <a:avLst/>
-          </a:prstGeom>
-        </p:spPr>
-      </p:pic>
-      <p:pic>
-        <p:nvPicPr>
-          <p:cNvPr id="5" name="Picture 4" descr="A qr code with a white background&#10;&#10;AI-generated content may be incorrect.">
-            <a:extLst>
-              <a:ext uri="{FF2B5EF4-FFF2-40B4-BE49-F238E27FC236}">
-                <a16:creationId xmlns:a16="http://schemas.microsoft.com/office/drawing/2014/main" id="{98390983-0E6C-E76C-C3B3-D2DE1F3430B1}"/>
               </a:ext>
             </a:extLst>
           </p:cNvPr>
@@ -3513,19 +3617,1142 @@
         </p:blipFill>
         <p:spPr>
           <a:xfrm>
-            <a:off x="25977584" y="17172739"/>
-            <a:ext cx="3905250" cy="3905250"/>
+            <a:off x="421876" y="19467094"/>
+            <a:ext cx="8248537" cy="1704242"/>
           </a:xfrm>
           <a:prstGeom prst="rect">
             <a:avLst/>
           </a:prstGeom>
-          <a:ln w="142875">
+        </p:spPr>
+      </p:pic>
+      <p:pic>
+        <p:nvPicPr>
+          <p:cNvPr id="5" name="Picture 4" descr="A qr code with a white background&#10;&#10;AI-generated content may be incorrect.">
+            <a:extLst>
+              <a:ext uri="{FF2B5EF4-FFF2-40B4-BE49-F238E27FC236}">
+                <a16:creationId xmlns:a16="http://schemas.microsoft.com/office/drawing/2014/main" id="{98390983-0E6C-E76C-C3B3-D2DE1F3430B1}"/>
+              </a:ext>
+            </a:extLst>
+          </p:cNvPr>
+          <p:cNvPicPr>
+            <a:picLocks noChangeAspect="1"/>
+          </p:cNvPicPr>
+          <p:nvPr/>
+        </p:nvPicPr>
+        <p:blipFill>
+          <a:blip r:embed="rId5">
+            <a:extLst>
+              <a:ext uri="{28A0092B-C50C-407E-A947-70E740481C1C}">
+                <a14:useLocalDpi xmlns:a14="http://schemas.microsoft.com/office/drawing/2010/main" val="0"/>
+              </a:ext>
+            </a:extLst>
+          </a:blip>
+          <a:stretch>
+            <a:fillRect/>
+          </a:stretch>
+        </p:blipFill>
+        <p:spPr>
+          <a:xfrm>
+            <a:off x="27886930" y="19370841"/>
+            <a:ext cx="1995904" cy="1995904"/>
+          </a:xfrm>
+          <a:prstGeom prst="rect">
+            <a:avLst/>
+          </a:prstGeom>
+          <a:ln w="69850">
             <a:solidFill>
-              <a:schemeClr val="accent2">
-                <a:lumMod val="75000"/>
-              </a:schemeClr>
+              <a:schemeClr val="tx1"/>
             </a:solidFill>
           </a:ln>
+        </p:spPr>
+      </p:pic>
+      <p:sp>
+        <p:nvSpPr>
+          <p:cNvPr id="6" name="TextBox 5">
+            <a:extLst>
+              <a:ext uri="{FF2B5EF4-FFF2-40B4-BE49-F238E27FC236}">
+                <a16:creationId xmlns:a16="http://schemas.microsoft.com/office/drawing/2014/main" id="{ADFEAFDA-59F6-80B8-2E32-1EA16890959C}"/>
+              </a:ext>
+            </a:extLst>
+          </p:cNvPr>
+          <p:cNvSpPr txBox="1"/>
+          <p:nvPr/>
+        </p:nvSpPr>
+        <p:spPr>
+          <a:xfrm>
+            <a:off x="9420132" y="19370841"/>
+            <a:ext cx="11326074" cy="923330"/>
+          </a:xfrm>
+          <a:prstGeom prst="rect">
+            <a:avLst/>
+          </a:prstGeom>
+          <a:noFill/>
+        </p:spPr>
+        <p:txBody>
+          <a:bodyPr wrap="square" rtlCol="0">
+            <a:spAutoFit/>
+          </a:bodyPr>
+          <a:lstStyle/>
+          <a:p>
+            <a:r>
+              <a:rPr lang="en-GB" sz="5400" dirty="0"/>
+              <a:t>martin.bath@students.plymouth.ac.uk</a:t>
+            </a:r>
+          </a:p>
+        </p:txBody>
+      </p:sp>
+      <p:sp>
+        <p:nvSpPr>
+          <p:cNvPr id="10" name="Rectangle: Rounded Corners 9">
+            <a:extLst>
+              <a:ext uri="{FF2B5EF4-FFF2-40B4-BE49-F238E27FC236}">
+                <a16:creationId xmlns:a16="http://schemas.microsoft.com/office/drawing/2014/main" id="{04FB8E90-CC7A-68EC-3CF9-5F349F87FC74}"/>
+              </a:ext>
+            </a:extLst>
+          </p:cNvPr>
+          <p:cNvSpPr/>
+          <p:nvPr/>
+        </p:nvSpPr>
+        <p:spPr>
+          <a:xfrm>
+            <a:off x="20869028" y="19534806"/>
+            <a:ext cx="5747331" cy="1663497"/>
+          </a:xfrm>
+          <a:prstGeom prst="roundRect">
+            <a:avLst/>
+          </a:prstGeom>
+          <a:solidFill>
+            <a:schemeClr val="bg1"/>
+          </a:solidFill>
+          <a:ln>
+            <a:solidFill>
+              <a:schemeClr val="tx1"/>
+            </a:solidFill>
+          </a:ln>
+        </p:spPr>
+        <p:style>
+          <a:lnRef idx="2">
+            <a:schemeClr val="accent1">
+              <a:shade val="15000"/>
+            </a:schemeClr>
+          </a:lnRef>
+          <a:fillRef idx="1">
+            <a:schemeClr val="accent1"/>
+          </a:fillRef>
+          <a:effectRef idx="0">
+            <a:schemeClr val="accent1"/>
+          </a:effectRef>
+          <a:fontRef idx="minor">
+            <a:schemeClr val="lt1"/>
+          </a:fontRef>
+        </p:style>
+        <p:txBody>
+          <a:bodyPr rtlCol="0" anchor="ctr"/>
+          <a:lstStyle/>
+          <a:p>
+            <a:r>
+              <a:rPr lang="en-GB" sz="3600" dirty="0">
+                <a:solidFill>
+                  <a:schemeClr val="tx1"/>
+                </a:solidFill>
+              </a:rPr>
+              <a:t>  Made With</a:t>
+            </a:r>
+          </a:p>
+        </p:txBody>
+      </p:sp>
+      <p:pic>
+        <p:nvPicPr>
+          <p:cNvPr id="14" name="Picture 13" descr="A yellow and black logo">
+            <a:extLst>
+              <a:ext uri="{FF2B5EF4-FFF2-40B4-BE49-F238E27FC236}">
+                <a16:creationId xmlns:a16="http://schemas.microsoft.com/office/drawing/2014/main" id="{984AC0DE-7AFF-F80A-56AF-692C39501D1E}"/>
+              </a:ext>
+            </a:extLst>
+          </p:cNvPr>
+          <p:cNvPicPr>
+            <a:picLocks noChangeAspect="1"/>
+          </p:cNvPicPr>
+          <p:nvPr/>
+        </p:nvPicPr>
+        <p:blipFill>
+          <a:blip r:embed="rId6">
+            <a:extLst>
+              <a:ext uri="{28A0092B-C50C-407E-A947-70E740481C1C}">
+                <a14:useLocalDpi xmlns:a14="http://schemas.microsoft.com/office/drawing/2010/main" val="0"/>
+              </a:ext>
+            </a:extLst>
+          </a:blip>
+          <a:stretch>
+            <a:fillRect/>
+          </a:stretch>
+        </p:blipFill>
+        <p:spPr>
+          <a:xfrm>
+            <a:off x="23407443" y="19794487"/>
+            <a:ext cx="2815389" cy="1066436"/>
+          </a:xfrm>
+          <a:prstGeom prst="rect">
+            <a:avLst/>
+          </a:prstGeom>
+        </p:spPr>
+      </p:pic>
+      <p:sp>
+        <p:nvSpPr>
+          <p:cNvPr id="18" name="TextBox 17">
+            <a:extLst>
+              <a:ext uri="{FF2B5EF4-FFF2-40B4-BE49-F238E27FC236}">
+                <a16:creationId xmlns:a16="http://schemas.microsoft.com/office/drawing/2014/main" id="{2DD23FBE-CB06-9278-5A28-9B3015EDE03A}"/>
+              </a:ext>
+            </a:extLst>
+          </p:cNvPr>
+          <p:cNvSpPr txBox="1"/>
+          <p:nvPr/>
+        </p:nvSpPr>
+        <p:spPr>
+          <a:xfrm>
+            <a:off x="9444195" y="20259556"/>
+            <a:ext cx="10672606" cy="923330"/>
+          </a:xfrm>
+          <a:prstGeom prst="rect">
+            <a:avLst/>
+          </a:prstGeom>
+          <a:noFill/>
+        </p:spPr>
+        <p:txBody>
+          <a:bodyPr wrap="square" rtlCol="0">
+            <a:spAutoFit/>
+          </a:bodyPr>
+          <a:lstStyle/>
+          <a:p>
+            <a:r>
+              <a:rPr lang="en-GB" sz="5400" dirty="0"/>
+              <a:t>BSc(Hons) Computing Science (2025)</a:t>
+            </a:r>
+          </a:p>
+        </p:txBody>
+      </p:sp>
+      <p:sp>
+        <p:nvSpPr>
+          <p:cNvPr id="2" name="TextBox 1">
+            <a:extLst>
+              <a:ext uri="{FF2B5EF4-FFF2-40B4-BE49-F238E27FC236}">
+                <a16:creationId xmlns:a16="http://schemas.microsoft.com/office/drawing/2014/main" id="{CE6B8872-82A7-C0E4-3566-4FA6BD7088BA}"/>
+              </a:ext>
+            </a:extLst>
+          </p:cNvPr>
+          <p:cNvSpPr txBox="1"/>
+          <p:nvPr/>
+        </p:nvSpPr>
+        <p:spPr>
+          <a:xfrm>
+            <a:off x="7535528" y="1089454"/>
+            <a:ext cx="13451307" cy="1323439"/>
+          </a:xfrm>
+          <a:prstGeom prst="rect">
+            <a:avLst/>
+          </a:prstGeom>
+          <a:gradFill>
+            <a:gsLst>
+              <a:gs pos="0">
+                <a:schemeClr val="accent1">
+                  <a:lumMod val="5000"/>
+                  <a:lumOff val="95000"/>
+                </a:schemeClr>
+              </a:gs>
+              <a:gs pos="74000">
+                <a:schemeClr val="accent1">
+                  <a:lumMod val="45000"/>
+                  <a:lumOff val="55000"/>
+                </a:schemeClr>
+              </a:gs>
+              <a:gs pos="83000">
+                <a:schemeClr val="accent1">
+                  <a:lumMod val="45000"/>
+                  <a:lumOff val="55000"/>
+                </a:schemeClr>
+              </a:gs>
+              <a:gs pos="100000">
+                <a:schemeClr val="accent1">
+                  <a:lumMod val="30000"/>
+                  <a:lumOff val="70000"/>
+                </a:schemeClr>
+              </a:gs>
+            </a:gsLst>
+            <a:lin ang="5400000" scaled="1"/>
+          </a:gradFill>
+          <a:ln w="79375" cap="rnd" cmpd="sng">
+            <a:solidFill>
+              <a:schemeClr val="tx1"/>
+            </a:solidFill>
+          </a:ln>
+        </p:spPr>
+        <p:txBody>
+          <a:bodyPr wrap="square" rtlCol="0">
+            <a:spAutoFit/>
+          </a:bodyPr>
+          <a:lstStyle/>
+          <a:p>
+            <a:r>
+              <a:rPr lang="en-GB" sz="8000" b="1" dirty="0"/>
+              <a:t>   Extreme Noughts &amp; Crosses</a:t>
+            </a:r>
+          </a:p>
+        </p:txBody>
+      </p:sp>
+      <p:sp>
+        <p:nvSpPr>
+          <p:cNvPr id="3" name="TextBox 2">
+            <a:extLst>
+              <a:ext uri="{FF2B5EF4-FFF2-40B4-BE49-F238E27FC236}">
+                <a16:creationId xmlns:a16="http://schemas.microsoft.com/office/drawing/2014/main" id="{D2C877C4-52CC-BA60-7BC1-1F97B61B20BC}"/>
+              </a:ext>
+            </a:extLst>
+          </p:cNvPr>
+          <p:cNvSpPr txBox="1"/>
+          <p:nvPr/>
+        </p:nvSpPr>
+        <p:spPr>
+          <a:xfrm>
+            <a:off x="3948705" y="3874773"/>
+            <a:ext cx="7291136" cy="6872715"/>
+          </a:xfrm>
+          <a:prstGeom prst="rect">
+            <a:avLst/>
+          </a:prstGeom>
+          <a:gradFill>
+            <a:gsLst>
+              <a:gs pos="0">
+                <a:schemeClr val="accent1">
+                  <a:lumMod val="5000"/>
+                  <a:lumOff val="95000"/>
+                </a:schemeClr>
+              </a:gs>
+              <a:gs pos="74000">
+                <a:schemeClr val="accent1">
+                  <a:lumMod val="45000"/>
+                  <a:lumOff val="55000"/>
+                </a:schemeClr>
+              </a:gs>
+              <a:gs pos="83000">
+                <a:schemeClr val="accent1">
+                  <a:lumMod val="45000"/>
+                  <a:lumOff val="55000"/>
+                </a:schemeClr>
+              </a:gs>
+              <a:gs pos="100000">
+                <a:schemeClr val="accent1">
+                  <a:lumMod val="30000"/>
+                  <a:lumOff val="70000"/>
+                </a:schemeClr>
+              </a:gs>
+            </a:gsLst>
+            <a:lin ang="5400000" scaled="1"/>
+          </a:gradFill>
+          <a:ln w="76200">
+            <a:solidFill>
+              <a:schemeClr val="tx1"/>
+            </a:solidFill>
+          </a:ln>
+          <a:effectLst>
+            <a:outerShdw blurRad="152400" dist="317500" dir="5400000" sx="90000" sy="-19000" rotWithShape="0">
+              <a:prstClr val="black">
+                <a:alpha val="15000"/>
+              </a:prstClr>
+            </a:outerShdw>
+          </a:effectLst>
+          <a:scene3d>
+            <a:camera prst="isometricOffAxis1Right"/>
+            <a:lightRig rig="threePt" dir="t"/>
+          </a:scene3d>
+          <a:sp3d extrusionH="1143000" contourW="57150">
+            <a:extrusionClr>
+              <a:schemeClr val="accent4">
+                <a:lumMod val="40000"/>
+                <a:lumOff val="60000"/>
+              </a:schemeClr>
+            </a:extrusionClr>
+          </a:sp3d>
+        </p:spPr>
+        <p:txBody>
+          <a:bodyPr wrap="square" rtlCol="0">
+            <a:spAutoFit/>
+          </a:bodyPr>
+          <a:lstStyle/>
+          <a:p>
+            <a:pPr>
+              <a:lnSpc>
+                <a:spcPct val="115000"/>
+              </a:lnSpc>
+              <a:spcAft>
+                <a:spcPts val="800"/>
+              </a:spcAft>
+              <a:buNone/>
+            </a:pPr>
+            <a:r>
+              <a:rPr lang="en-GB" sz="3600" b="1" kern="100" dirty="0">
+                <a:effectLst/>
+                <a:latin typeface="Aptos" panose="020B0004020202020204" pitchFamily="34" charset="0"/>
+                <a:ea typeface="Aptos" panose="020B0004020202020204" pitchFamily="34" charset="0"/>
+                <a:cs typeface="Times New Roman" panose="02020603050405020304" pitchFamily="18" charset="0"/>
+              </a:rPr>
+              <a:t>Project Overview</a:t>
+            </a:r>
+          </a:p>
+          <a:p>
+            <a:pPr>
+              <a:lnSpc>
+                <a:spcPct val="150000"/>
+              </a:lnSpc>
+              <a:spcAft>
+                <a:spcPts val="800"/>
+              </a:spcAft>
+            </a:pPr>
+            <a:r>
+              <a:rPr lang="en-GB" sz="2400" kern="100" dirty="0">
+                <a:effectLst/>
+                <a:latin typeface="Aptos" panose="020B0004020202020204" pitchFamily="34" charset="0"/>
+                <a:ea typeface="Aptos" panose="020B0004020202020204" pitchFamily="34" charset="0"/>
+                <a:cs typeface="Times New Roman" panose="02020603050405020304" pitchFamily="18" charset="0"/>
+              </a:rPr>
+              <a:t>Suggested by staff and pupils Eat That Frog (eatthatfrog.ac.uk), a specialist post-16 institution, the app was to incorporate 9 mini games of Noughts &amp; Crosses within a larger game of Noughts &amp; Crosses to achieve a game which worked on many levels, where pupils could play on their own or against a tutor during 1-2-1 sessions. The colour scheme was to be dyslexia friendly as per the “Dyslexia friendly style guide”  the  British Dyslexia Association (</a:t>
+            </a:r>
+            <a:r>
+              <a:rPr lang="en-GB" sz="2400" kern="100" dirty="0">
+                <a:solidFill>
+                  <a:srgbClr val="467886"/>
+                </a:solidFill>
+                <a:effectLst/>
+                <a:latin typeface="Aptos" panose="020B0004020202020204" pitchFamily="34" charset="0"/>
+                <a:ea typeface="Aptos" panose="020B0004020202020204" pitchFamily="34" charset="0"/>
+                <a:cs typeface="Times New Roman" panose="02020603050405020304" pitchFamily="18" charset="0"/>
+              </a:rPr>
+              <a:t>www.bdadyslexia.org.uk</a:t>
+            </a:r>
+            <a:r>
+              <a:rPr lang="en-GB" sz="2400" kern="100" dirty="0">
+                <a:effectLst/>
+                <a:latin typeface="Aptos" panose="020B0004020202020204" pitchFamily="34" charset="0"/>
+                <a:ea typeface="Aptos" panose="020B0004020202020204" pitchFamily="34" charset="0"/>
+                <a:cs typeface="Times New Roman" panose="02020603050405020304" pitchFamily="18" charset="0"/>
+              </a:rPr>
+              <a:t>) and was to be built using JavaScript, CSS and HTML only.</a:t>
+            </a:r>
+          </a:p>
+        </p:txBody>
+      </p:sp>
+      <p:sp>
+        <p:nvSpPr>
+          <p:cNvPr id="4" name="TextBox 3">
+            <a:extLst>
+              <a:ext uri="{FF2B5EF4-FFF2-40B4-BE49-F238E27FC236}">
+                <a16:creationId xmlns:a16="http://schemas.microsoft.com/office/drawing/2014/main" id="{1DB5214E-261B-80C5-D419-9B8C295CB5F0}"/>
+              </a:ext>
+            </a:extLst>
+          </p:cNvPr>
+          <p:cNvSpPr txBox="1"/>
+          <p:nvPr/>
+        </p:nvSpPr>
+        <p:spPr>
+          <a:xfrm>
+            <a:off x="11523183" y="7690376"/>
+            <a:ext cx="6494334" cy="8495082"/>
+          </a:xfrm>
+          <a:prstGeom prst="rect">
+            <a:avLst/>
+          </a:prstGeom>
+          <a:gradFill>
+            <a:gsLst>
+              <a:gs pos="0">
+                <a:schemeClr val="accent1">
+                  <a:lumMod val="5000"/>
+                  <a:lumOff val="95000"/>
+                </a:schemeClr>
+              </a:gs>
+              <a:gs pos="74000">
+                <a:schemeClr val="accent1">
+                  <a:lumMod val="45000"/>
+                  <a:lumOff val="55000"/>
+                </a:schemeClr>
+              </a:gs>
+              <a:gs pos="83000">
+                <a:schemeClr val="accent1">
+                  <a:lumMod val="45000"/>
+                  <a:lumOff val="55000"/>
+                </a:schemeClr>
+              </a:gs>
+              <a:gs pos="100000">
+                <a:schemeClr val="accent1">
+                  <a:lumMod val="30000"/>
+                  <a:lumOff val="70000"/>
+                </a:schemeClr>
+              </a:gs>
+            </a:gsLst>
+            <a:lin ang="5400000" scaled="1"/>
+          </a:gradFill>
+          <a:ln w="76200" cmpd="sng">
+            <a:solidFill>
+              <a:schemeClr val="tx1"/>
+            </a:solidFill>
+          </a:ln>
+          <a:effectLst>
+            <a:outerShdw blurRad="152400" dist="317500" dir="5400000" sx="90000" sy="-19000" rotWithShape="0">
+              <a:prstClr val="black">
+                <a:alpha val="15000"/>
+              </a:prstClr>
+            </a:outerShdw>
+          </a:effectLst>
+          <a:scene3d>
+            <a:camera prst="perspectiveBelow" fov="600000"/>
+            <a:lightRig rig="threePt" dir="t"/>
+          </a:scene3d>
+          <a:sp3d extrusionH="1143000" contourW="57150">
+            <a:extrusionClr>
+              <a:schemeClr val="accent4">
+                <a:lumMod val="40000"/>
+                <a:lumOff val="60000"/>
+              </a:schemeClr>
+            </a:extrusionClr>
+          </a:sp3d>
+        </p:spPr>
+        <p:txBody>
+          <a:bodyPr wrap="square" rtlCol="0">
+            <a:spAutoFit/>
+          </a:bodyPr>
+          <a:lstStyle/>
+          <a:p>
+            <a:pPr>
+              <a:lnSpc>
+                <a:spcPct val="115000"/>
+              </a:lnSpc>
+              <a:spcAft>
+                <a:spcPts val="800"/>
+              </a:spcAft>
+              <a:buNone/>
+            </a:pPr>
+            <a:r>
+              <a:rPr lang="en-GB" sz="3600" b="1" kern="100" dirty="0">
+                <a:effectLst/>
+                <a:latin typeface="Aptos" panose="020B0004020202020204" pitchFamily="34" charset="0"/>
+                <a:ea typeface="Aptos" panose="020B0004020202020204" pitchFamily="34" charset="0"/>
+                <a:cs typeface="Times New Roman" panose="02020603050405020304" pitchFamily="18" charset="0"/>
+              </a:rPr>
+              <a:t>Features</a:t>
+            </a:r>
+          </a:p>
+          <a:p>
+            <a:pPr marL="457200" indent="-457200">
+              <a:lnSpc>
+                <a:spcPct val="150000"/>
+              </a:lnSpc>
+              <a:spcAft>
+                <a:spcPts val="800"/>
+              </a:spcAft>
+              <a:buFont typeface="Arial" panose="020B0604020202020204" pitchFamily="34" charset="0"/>
+              <a:buChar char="•"/>
+            </a:pPr>
+            <a:r>
+              <a:rPr lang="en-GB" sz="2800" kern="100" dirty="0">
+                <a:effectLst/>
+                <a:latin typeface="Aptos" panose="020B0004020202020204" pitchFamily="34" charset="0"/>
+                <a:ea typeface="Aptos" panose="020B0004020202020204" pitchFamily="34" charset="0"/>
+                <a:cs typeface="Times New Roman" panose="02020603050405020304" pitchFamily="18" charset="0"/>
+              </a:rPr>
+              <a:t>Web based to work on multiple device type</a:t>
+            </a:r>
+          </a:p>
+          <a:p>
+            <a:pPr marL="457200" indent="-457200">
+              <a:lnSpc>
+                <a:spcPct val="150000"/>
+              </a:lnSpc>
+              <a:spcAft>
+                <a:spcPts val="800"/>
+              </a:spcAft>
+              <a:buFont typeface="Arial" panose="020B0604020202020204" pitchFamily="34" charset="0"/>
+              <a:buChar char="•"/>
+            </a:pPr>
+            <a:r>
+              <a:rPr lang="en-GB" sz="2800" kern="100" dirty="0">
+                <a:effectLst/>
+                <a:latin typeface="Aptos" panose="020B0004020202020204" pitchFamily="34" charset="0"/>
+                <a:ea typeface="Aptos" panose="020B0004020202020204" pitchFamily="34" charset="0"/>
+                <a:cs typeface="Times New Roman" panose="02020603050405020304" pitchFamily="18" charset="0"/>
+              </a:rPr>
+              <a:t>Play against local player or against the computer with 6 levels of difficulty</a:t>
+            </a:r>
+          </a:p>
+          <a:p>
+            <a:pPr marL="457200" indent="-457200">
+              <a:lnSpc>
+                <a:spcPct val="150000"/>
+              </a:lnSpc>
+              <a:spcAft>
+                <a:spcPts val="800"/>
+              </a:spcAft>
+              <a:buFont typeface="Arial" panose="020B0604020202020204" pitchFamily="34" charset="0"/>
+              <a:buChar char="•"/>
+            </a:pPr>
+            <a:r>
+              <a:rPr lang="en-GB" sz="2800" kern="100" dirty="0">
+                <a:effectLst/>
+                <a:latin typeface="Aptos" panose="020B0004020202020204" pitchFamily="34" charset="0"/>
+                <a:ea typeface="Aptos" panose="020B0004020202020204" pitchFamily="34" charset="0"/>
+                <a:cs typeface="Times New Roman" panose="02020603050405020304" pitchFamily="18" charset="0"/>
+              </a:rPr>
+              <a:t>Load and Save game with score and gameplay duration</a:t>
+            </a:r>
+          </a:p>
+          <a:p>
+            <a:pPr marL="457200" indent="-457200">
+              <a:lnSpc>
+                <a:spcPct val="150000"/>
+              </a:lnSpc>
+              <a:spcAft>
+                <a:spcPts val="800"/>
+              </a:spcAft>
+              <a:buFont typeface="Arial" panose="020B0604020202020204" pitchFamily="34" charset="0"/>
+              <a:buChar char="•"/>
+            </a:pPr>
+            <a:r>
+              <a:rPr lang="en-GB" sz="2800" kern="100" dirty="0">
+                <a:effectLst/>
+                <a:latin typeface="Aptos" panose="020B0004020202020204" pitchFamily="34" charset="0"/>
+                <a:ea typeface="Aptos" panose="020B0004020202020204" pitchFamily="34" charset="0"/>
+                <a:cs typeface="Times New Roman" panose="02020603050405020304" pitchFamily="18" charset="0"/>
+              </a:rPr>
+              <a:t>Visual indicator whose turn is next</a:t>
+            </a:r>
+          </a:p>
+          <a:p>
+            <a:pPr marL="457200" indent="-457200">
+              <a:lnSpc>
+                <a:spcPct val="150000"/>
+              </a:lnSpc>
+              <a:spcAft>
+                <a:spcPts val="800"/>
+              </a:spcAft>
+              <a:buFont typeface="Arial" panose="020B0604020202020204" pitchFamily="34" charset="0"/>
+              <a:buChar char="•"/>
+            </a:pPr>
+            <a:r>
+              <a:rPr lang="en-GB" sz="2800" kern="100" dirty="0">
+                <a:effectLst/>
+                <a:latin typeface="Aptos" panose="020B0004020202020204" pitchFamily="34" charset="0"/>
+                <a:ea typeface="Aptos" panose="020B0004020202020204" pitchFamily="34" charset="0"/>
+                <a:cs typeface="Times New Roman" panose="02020603050405020304" pitchFamily="18" charset="0"/>
+              </a:rPr>
+              <a:t>Link to WIKI page for TicTacToe (US name for Noughts&amp;Crosses)</a:t>
+            </a:r>
+          </a:p>
+          <a:p>
+            <a:pPr marL="457200" indent="-457200">
+              <a:lnSpc>
+                <a:spcPct val="150000"/>
+              </a:lnSpc>
+              <a:spcAft>
+                <a:spcPts val="800"/>
+              </a:spcAft>
+              <a:buFont typeface="Arial" panose="020B0604020202020204" pitchFamily="34" charset="0"/>
+              <a:buChar char="•"/>
+            </a:pPr>
+            <a:r>
+              <a:rPr lang="en-GB" sz="2800" kern="100" dirty="0">
+                <a:effectLst/>
+                <a:latin typeface="Aptos" panose="020B0004020202020204" pitchFamily="34" charset="0"/>
+                <a:ea typeface="Aptos" panose="020B0004020202020204" pitchFamily="34" charset="0"/>
+                <a:cs typeface="Times New Roman" panose="02020603050405020304" pitchFamily="18" charset="0"/>
+              </a:rPr>
+              <a:t>Grid size is adjustable</a:t>
+            </a:r>
+          </a:p>
+          <a:p>
+            <a:pPr marL="457200" indent="-457200">
+              <a:lnSpc>
+                <a:spcPct val="150000"/>
+              </a:lnSpc>
+              <a:spcAft>
+                <a:spcPts val="800"/>
+              </a:spcAft>
+              <a:buFont typeface="Arial" panose="020B0604020202020204" pitchFamily="34" charset="0"/>
+              <a:buChar char="•"/>
+            </a:pPr>
+            <a:r>
+              <a:rPr lang="en-GB" sz="2800" kern="100" dirty="0">
+                <a:latin typeface="Aptos" panose="020B0004020202020204" pitchFamily="34" charset="0"/>
+                <a:ea typeface="Aptos" panose="020B0004020202020204" pitchFamily="34" charset="0"/>
+                <a:cs typeface="Times New Roman" panose="02020603050405020304" pitchFamily="18" charset="0"/>
+              </a:rPr>
+              <a:t>Dyslexia friendly appearance.</a:t>
+            </a:r>
+            <a:endParaRPr lang="en-GB" sz="2800" kern="100" dirty="0">
+              <a:effectLst/>
+              <a:latin typeface="Aptos" panose="020B0004020202020204" pitchFamily="34" charset="0"/>
+              <a:ea typeface="Aptos" panose="020B0004020202020204" pitchFamily="34" charset="0"/>
+              <a:cs typeface="Times New Roman" panose="02020603050405020304" pitchFamily="18" charset="0"/>
+            </a:endParaRPr>
+          </a:p>
+        </p:txBody>
+      </p:sp>
+      <p:sp>
+        <p:nvSpPr>
+          <p:cNvPr id="7" name="TextBox 6">
+            <a:extLst>
+              <a:ext uri="{FF2B5EF4-FFF2-40B4-BE49-F238E27FC236}">
+                <a16:creationId xmlns:a16="http://schemas.microsoft.com/office/drawing/2014/main" id="{2C8FD0B0-1B72-2861-A7F4-2A604E1EB0CF}"/>
+              </a:ext>
+            </a:extLst>
+          </p:cNvPr>
+          <p:cNvSpPr txBox="1"/>
+          <p:nvPr/>
+        </p:nvSpPr>
+        <p:spPr>
+          <a:xfrm>
+            <a:off x="18385671" y="5798116"/>
+            <a:ext cx="7291136" cy="5058244"/>
+          </a:xfrm>
+          <a:prstGeom prst="rect">
+            <a:avLst/>
+          </a:prstGeom>
+          <a:gradFill>
+            <a:gsLst>
+              <a:gs pos="0">
+                <a:schemeClr val="accent1">
+                  <a:lumMod val="5000"/>
+                  <a:lumOff val="95000"/>
+                </a:schemeClr>
+              </a:gs>
+              <a:gs pos="74000">
+                <a:schemeClr val="accent1">
+                  <a:lumMod val="45000"/>
+                  <a:lumOff val="55000"/>
+                </a:schemeClr>
+              </a:gs>
+              <a:gs pos="83000">
+                <a:schemeClr val="accent1">
+                  <a:lumMod val="45000"/>
+                  <a:lumOff val="55000"/>
+                </a:schemeClr>
+              </a:gs>
+              <a:gs pos="100000">
+                <a:schemeClr val="accent1">
+                  <a:lumMod val="30000"/>
+                  <a:lumOff val="70000"/>
+                </a:schemeClr>
+              </a:gs>
+            </a:gsLst>
+            <a:lin ang="5400000" scaled="1"/>
+          </a:gradFill>
+          <a:ln w="76200">
+            <a:solidFill>
+              <a:schemeClr val="tx1"/>
+            </a:solidFill>
+          </a:ln>
+          <a:effectLst>
+            <a:outerShdw blurRad="152400" dist="317500" dir="5400000" sx="90000" sy="-19000" rotWithShape="0">
+              <a:prstClr val="black">
+                <a:alpha val="15000"/>
+              </a:prstClr>
+            </a:outerShdw>
+          </a:effectLst>
+          <a:scene3d>
+            <a:camera prst="isometricOffAxis2Left"/>
+            <a:lightRig rig="threePt" dir="t"/>
+          </a:scene3d>
+          <a:sp3d extrusionH="1143000" contourW="57150">
+            <a:extrusionClr>
+              <a:schemeClr val="accent4">
+                <a:lumMod val="40000"/>
+                <a:lumOff val="60000"/>
+              </a:schemeClr>
+            </a:extrusionClr>
+          </a:sp3d>
+        </p:spPr>
+        <p:txBody>
+          <a:bodyPr wrap="square" rtlCol="0">
+            <a:spAutoFit/>
+          </a:bodyPr>
+          <a:lstStyle/>
+          <a:p>
+            <a:pPr>
+              <a:lnSpc>
+                <a:spcPct val="115000"/>
+              </a:lnSpc>
+              <a:spcAft>
+                <a:spcPts val="800"/>
+              </a:spcAft>
+              <a:buNone/>
+            </a:pPr>
+            <a:r>
+              <a:rPr lang="en-GB" sz="3600" b="1" kern="100" dirty="0">
+                <a:effectLst/>
+                <a:latin typeface="Aptos" panose="020B0004020202020204" pitchFamily="34" charset="0"/>
+                <a:ea typeface="Aptos" panose="020B0004020202020204" pitchFamily="34" charset="0"/>
+                <a:cs typeface="Times New Roman" panose="02020603050405020304" pitchFamily="18" charset="0"/>
+              </a:rPr>
+              <a:t>Future development</a:t>
+            </a:r>
+          </a:p>
+          <a:p>
+            <a:pPr marL="457200" indent="-457200">
+              <a:lnSpc>
+                <a:spcPct val="150000"/>
+              </a:lnSpc>
+              <a:spcAft>
+                <a:spcPts val="800"/>
+              </a:spcAft>
+              <a:buFont typeface="Arial" panose="020B0604020202020204" pitchFamily="34" charset="0"/>
+              <a:buChar char="•"/>
+            </a:pPr>
+            <a:r>
+              <a:rPr lang="en-GB" sz="2800" kern="100" dirty="0">
+                <a:effectLst/>
+                <a:latin typeface="Aptos" panose="020B0004020202020204" pitchFamily="34" charset="0"/>
+                <a:ea typeface="Aptos" panose="020B0004020202020204" pitchFamily="34" charset="0"/>
+                <a:cs typeface="Times New Roman" panose="02020603050405020304" pitchFamily="18" charset="0"/>
+              </a:rPr>
+              <a:t>Further levels to be introduced</a:t>
+            </a:r>
+          </a:p>
+          <a:p>
+            <a:pPr marL="457200" indent="-457200">
+              <a:lnSpc>
+                <a:spcPct val="150000"/>
+              </a:lnSpc>
+              <a:spcAft>
+                <a:spcPts val="800"/>
+              </a:spcAft>
+              <a:buFont typeface="Arial" panose="020B0604020202020204" pitchFamily="34" charset="0"/>
+              <a:buChar char="•"/>
+            </a:pPr>
+            <a:r>
+              <a:rPr lang="en-GB" sz="2800" kern="100" dirty="0">
+                <a:effectLst/>
+                <a:latin typeface="Aptos" panose="020B0004020202020204" pitchFamily="34" charset="0"/>
+                <a:ea typeface="Aptos" panose="020B0004020202020204" pitchFamily="34" charset="0"/>
+                <a:cs typeface="Times New Roman" panose="02020603050405020304" pitchFamily="18" charset="0"/>
+              </a:rPr>
+              <a:t>Instructions / Multilingual support</a:t>
+            </a:r>
+          </a:p>
+          <a:p>
+            <a:pPr marL="457200" indent="-457200">
+              <a:lnSpc>
+                <a:spcPct val="150000"/>
+              </a:lnSpc>
+              <a:spcAft>
+                <a:spcPts val="800"/>
+              </a:spcAft>
+              <a:buFont typeface="Arial" panose="020B0604020202020204" pitchFamily="34" charset="0"/>
+              <a:buChar char="•"/>
+            </a:pPr>
+            <a:r>
+              <a:rPr lang="en-GB" sz="2800" kern="100" dirty="0">
+                <a:effectLst/>
+                <a:latin typeface="Aptos" panose="020B0004020202020204" pitchFamily="34" charset="0"/>
+                <a:ea typeface="Aptos" panose="020B0004020202020204" pitchFamily="34" charset="0"/>
+                <a:cs typeface="Times New Roman" panose="02020603050405020304" pitchFamily="18" charset="0"/>
+              </a:rPr>
+              <a:t>Auto complete for games that are draws</a:t>
+            </a:r>
+          </a:p>
+          <a:p>
+            <a:pPr marL="457200" indent="-457200">
+              <a:lnSpc>
+                <a:spcPct val="150000"/>
+              </a:lnSpc>
+              <a:spcAft>
+                <a:spcPts val="800"/>
+              </a:spcAft>
+              <a:buFont typeface="Arial" panose="020B0604020202020204" pitchFamily="34" charset="0"/>
+              <a:buChar char="•"/>
+            </a:pPr>
+            <a:r>
+              <a:rPr lang="en-GB" sz="2800" kern="100" dirty="0">
+                <a:effectLst/>
+                <a:latin typeface="Aptos" panose="020B0004020202020204" pitchFamily="34" charset="0"/>
+                <a:ea typeface="Aptos" panose="020B0004020202020204" pitchFamily="34" charset="0"/>
+                <a:cs typeface="Times New Roman" panose="02020603050405020304" pitchFamily="18" charset="0"/>
+              </a:rPr>
+              <a:t>Remote player capability</a:t>
+            </a:r>
+          </a:p>
+          <a:p>
+            <a:pPr marL="457200" indent="-457200">
+              <a:lnSpc>
+                <a:spcPct val="150000"/>
+              </a:lnSpc>
+              <a:spcAft>
+                <a:spcPts val="800"/>
+              </a:spcAft>
+              <a:buFont typeface="Arial" panose="020B0604020202020204" pitchFamily="34" charset="0"/>
+              <a:buChar char="•"/>
+            </a:pPr>
+            <a:r>
+              <a:rPr lang="en-GB" sz="2800" kern="100" dirty="0">
+                <a:effectLst/>
+                <a:latin typeface="Aptos" panose="020B0004020202020204" pitchFamily="34" charset="0"/>
+                <a:ea typeface="Aptos" panose="020B0004020202020204" pitchFamily="34" charset="0"/>
+                <a:cs typeface="Times New Roman" panose="02020603050405020304" pitchFamily="18" charset="0"/>
+              </a:rPr>
+              <a:t>User Customisations of names, colours, symbols</a:t>
+            </a:r>
+          </a:p>
+        </p:txBody>
+      </p:sp>
+      <p:sp>
+        <p:nvSpPr>
+          <p:cNvPr id="8" name="TextBox 7">
+            <a:extLst>
+              <a:ext uri="{FF2B5EF4-FFF2-40B4-BE49-F238E27FC236}">
+                <a16:creationId xmlns:a16="http://schemas.microsoft.com/office/drawing/2014/main" id="{EEA9706D-DA85-F6A4-4C56-E5D0FF1DB326}"/>
+              </a:ext>
+            </a:extLst>
+          </p:cNvPr>
+          <p:cNvSpPr txBox="1"/>
+          <p:nvPr/>
+        </p:nvSpPr>
+        <p:spPr>
+          <a:xfrm rot="10800000" flipV="1">
+            <a:off x="23628393" y="20798549"/>
+            <a:ext cx="2649710" cy="307777"/>
+          </a:xfrm>
+          <a:prstGeom prst="rect">
+            <a:avLst/>
+          </a:prstGeom>
+          <a:noFill/>
+        </p:spPr>
+        <p:txBody>
+          <a:bodyPr wrap="square" rtlCol="0">
+            <a:spAutoFit/>
+          </a:bodyPr>
+          <a:lstStyle/>
+          <a:p>
+            <a:r>
+              <a:rPr lang="en-GB" sz="1400" dirty="0"/>
+              <a:t>Logos courtesy of pngegg.com</a:t>
+            </a:r>
+          </a:p>
+        </p:txBody>
+      </p:sp>
+      <p:pic>
+        <p:nvPicPr>
+          <p:cNvPr id="12" name="Picture 11" descr="A screenshot of a game&#10;&#10;AI-generated content may be incorrect.">
+            <a:extLst>
+              <a:ext uri="{FF2B5EF4-FFF2-40B4-BE49-F238E27FC236}">
+                <a16:creationId xmlns:a16="http://schemas.microsoft.com/office/drawing/2014/main" id="{235360F4-26EC-2B8A-1FB8-FC807FC02D54}"/>
+              </a:ext>
+            </a:extLst>
+          </p:cNvPr>
+          <p:cNvPicPr>
+            <a:picLocks noChangeAspect="1"/>
+          </p:cNvPicPr>
+          <p:nvPr/>
+        </p:nvPicPr>
+        <p:blipFill>
+          <a:blip r:embed="rId7">
+            <a:extLst>
+              <a:ext uri="{28A0092B-C50C-407E-A947-70E740481C1C}">
+                <a14:useLocalDpi xmlns:a14="http://schemas.microsoft.com/office/drawing/2010/main" val="0"/>
+              </a:ext>
+            </a:extLst>
+          </a:blip>
+          <a:stretch>
+            <a:fillRect/>
+          </a:stretch>
+        </p:blipFill>
+        <p:spPr>
+          <a:xfrm>
+            <a:off x="3342417" y="11288211"/>
+            <a:ext cx="5700986" cy="5026609"/>
+          </a:xfrm>
+          <a:prstGeom prst="rect">
+            <a:avLst/>
+          </a:prstGeom>
+          <a:ln w="76200">
+            <a:solidFill>
+              <a:schemeClr val="tx1"/>
+            </a:solidFill>
+          </a:ln>
+          <a:effectLst>
+            <a:outerShdw blurRad="152400" dist="317500" dir="5400000" sx="90000" sy="-19000" rotWithShape="0">
+              <a:prstClr val="black">
+                <a:alpha val="15000"/>
+              </a:prstClr>
+            </a:outerShdw>
+          </a:effectLst>
+          <a:scene3d>
+            <a:camera prst="isometricOffAxis1Right"/>
+            <a:lightRig rig="threePt" dir="t"/>
+          </a:scene3d>
+          <a:sp3d extrusionH="1143000" contourW="6350">
+            <a:extrusionClr>
+              <a:schemeClr val="accent4">
+                <a:lumMod val="40000"/>
+                <a:lumOff val="60000"/>
+              </a:schemeClr>
+            </a:extrusionClr>
+            <a:contourClr>
+              <a:schemeClr val="tx1"/>
+            </a:contourClr>
+          </a:sp3d>
+        </p:spPr>
+      </p:pic>
+      <p:sp>
+        <p:nvSpPr>
+          <p:cNvPr id="15" name="TextBox 14">
+            <a:extLst>
+              <a:ext uri="{FF2B5EF4-FFF2-40B4-BE49-F238E27FC236}">
+                <a16:creationId xmlns:a16="http://schemas.microsoft.com/office/drawing/2014/main" id="{72994E75-5466-9230-04B0-8B16A386863B}"/>
+              </a:ext>
+            </a:extLst>
+          </p:cNvPr>
+          <p:cNvSpPr txBox="1"/>
+          <p:nvPr/>
+        </p:nvSpPr>
+        <p:spPr>
+          <a:xfrm rot="16200000" flipV="1">
+            <a:off x="26471971" y="20149613"/>
+            <a:ext cx="2308184" cy="523220"/>
+          </a:xfrm>
+          <a:prstGeom prst="rect">
+            <a:avLst/>
+          </a:prstGeom>
+          <a:noFill/>
+        </p:spPr>
+        <p:txBody>
+          <a:bodyPr wrap="square" rtlCol="0">
+            <a:spAutoFit/>
+          </a:bodyPr>
+          <a:lstStyle/>
+          <a:p>
+            <a:r>
+              <a:rPr lang="en-GB" sz="2800" dirty="0"/>
+              <a:t>Play the game</a:t>
+            </a:r>
+          </a:p>
+        </p:txBody>
+      </p:sp>
+      <p:pic>
+        <p:nvPicPr>
+          <p:cNvPr id="17" name="Picture 16">
+            <a:extLst>
+              <a:ext uri="{FF2B5EF4-FFF2-40B4-BE49-F238E27FC236}">
+                <a16:creationId xmlns:a16="http://schemas.microsoft.com/office/drawing/2014/main" id="{87F8A553-B60B-238B-FD60-DFF94A2A56E0}"/>
+              </a:ext>
+            </a:extLst>
+          </p:cNvPr>
+          <p:cNvPicPr>
+            <a:picLocks noChangeAspect="1"/>
+          </p:cNvPicPr>
+          <p:nvPr/>
+        </p:nvPicPr>
+        <p:blipFill>
+          <a:blip r:embed="rId8">
+            <a:extLst>
+              <a:ext uri="{28A0092B-C50C-407E-A947-70E740481C1C}">
+                <a14:useLocalDpi xmlns:a14="http://schemas.microsoft.com/office/drawing/2010/main" val="0"/>
+              </a:ext>
+            </a:extLst>
+          </a:blip>
+          <a:srcRect/>
+          <a:stretch/>
+        </p:blipFill>
+        <p:spPr>
+          <a:xfrm>
+            <a:off x="13178387" y="3242304"/>
+            <a:ext cx="3364989" cy="3391519"/>
+          </a:xfrm>
+          <a:prstGeom prst="rect">
+            <a:avLst/>
+          </a:prstGeom>
+          <a:blipFill>
+            <a:blip r:embed="rId9"/>
+            <a:stretch>
+              <a:fillRect/>
+            </a:stretch>
+          </a:blipFill>
+          <a:effectLst>
+            <a:outerShdw blurRad="152400" dist="317500" dir="5400000" sx="90000" sy="-19000" rotWithShape="0">
+              <a:prstClr val="black">
+                <a:alpha val="15000"/>
+              </a:prstClr>
+            </a:outerShdw>
+          </a:effectLst>
+          <a:scene3d>
+            <a:camera prst="perspectiveBelow"/>
+            <a:lightRig rig="threePt" dir="t"/>
+          </a:scene3d>
+          <a:sp3d extrusionH="1143000" contourW="57150">
+            <a:extrusionClr>
+              <a:schemeClr val="accent4">
+                <a:lumMod val="40000"/>
+                <a:lumOff val="60000"/>
+              </a:schemeClr>
+            </a:extrusionClr>
+          </a:sp3d>
+        </p:spPr>
+      </p:pic>
+      <p:pic>
+        <p:nvPicPr>
+          <p:cNvPr id="11" name="Picture 10">
+            <a:extLst>
+              <a:ext uri="{FF2B5EF4-FFF2-40B4-BE49-F238E27FC236}">
+                <a16:creationId xmlns:a16="http://schemas.microsoft.com/office/drawing/2014/main" id="{11A3CD12-A6AD-2472-AE33-62215D56E79B}"/>
+              </a:ext>
+            </a:extLst>
+          </p:cNvPr>
+          <p:cNvPicPr>
+            <a:picLocks noChangeAspect="1"/>
+          </p:cNvPicPr>
+          <p:nvPr/>
+        </p:nvPicPr>
+        <p:blipFill>
+          <a:blip r:embed="rId10">
+            <a:extLst>
+              <a:ext uri="{28A0092B-C50C-407E-A947-70E740481C1C}">
+                <a14:useLocalDpi xmlns:a14="http://schemas.microsoft.com/office/drawing/2010/main" val="0"/>
+              </a:ext>
+            </a:extLst>
+          </a:blip>
+          <a:srcRect/>
+          <a:stretch/>
+        </p:blipFill>
+        <p:spPr>
+          <a:xfrm>
+            <a:off x="20845723" y="11526254"/>
+            <a:ext cx="5317640" cy="5058243"/>
+          </a:xfrm>
+          <a:prstGeom prst="rect">
+            <a:avLst/>
+          </a:prstGeom>
+          <a:ln w="76200">
+            <a:solidFill>
+              <a:schemeClr val="tx1"/>
+            </a:solidFill>
+          </a:ln>
+          <a:effectLst>
+            <a:outerShdw blurRad="152400" dist="317500" dir="5400000" sx="90000" sy="-19000" rotWithShape="0">
+              <a:prstClr val="black">
+                <a:alpha val="15000"/>
+              </a:prstClr>
+            </a:outerShdw>
+          </a:effectLst>
+          <a:scene3d>
+            <a:camera prst="isometricOffAxis2Left"/>
+            <a:lightRig rig="threePt" dir="t"/>
+          </a:scene3d>
+          <a:sp3d extrusionH="1143000" contourW="6350">
+            <a:extrusionClr>
+              <a:schemeClr val="accent4">
+                <a:lumMod val="40000"/>
+                <a:lumOff val="60000"/>
+              </a:schemeClr>
+            </a:extrusionClr>
+            <a:contourClr>
+              <a:schemeClr val="tx1"/>
+            </a:contourClr>
+          </a:sp3d>
         </p:spPr>
       </p:pic>
     </p:spTree>
@@ -4098,6 +5325,57 @@
 </file>
 
 <file path=customXml/item1.xml><?xml version="1.0" encoding="utf-8"?>
+<p:properties xmlns:p="http://schemas.microsoft.com/office/2006/metadata/properties" xmlns:xsi="http://www.w3.org/2001/XMLSchema-instance" xmlns:pc="http://schemas.microsoft.com/office/infopath/2007/PartnerControls">
+  <documentManagement>
+    <NotebookType xmlns="dc781de3-bafc-4db7-a392-5d8a9e9bc0f5" xsi:nil="true"/>
+    <Invited_Students xmlns="dc781de3-bafc-4db7-a392-5d8a9e9bc0f5" xsi:nil="true"/>
+    <FolderType xmlns="dc781de3-bafc-4db7-a392-5d8a9e9bc0f5" xsi:nil="true"/>
+    <Owner xmlns="dc781de3-bafc-4db7-a392-5d8a9e9bc0f5">
+      <UserInfo>
+        <DisplayName/>
+        <AccountId xsi:nil="true"/>
+        <AccountType/>
+      </UserInfo>
+    </Owner>
+    <AppVersion xmlns="dc781de3-bafc-4db7-a392-5d8a9e9bc0f5" xsi:nil="true"/>
+    <DefaultSectionNames xmlns="dc781de3-bafc-4db7-a392-5d8a9e9bc0f5" xsi:nil="true"/>
+    <Teachers xmlns="dc781de3-bafc-4db7-a392-5d8a9e9bc0f5">
+      <UserInfo>
+        <DisplayName/>
+        <AccountId xsi:nil="true"/>
+        <AccountType/>
+      </UserInfo>
+    </Teachers>
+    <Students xmlns="dc781de3-bafc-4db7-a392-5d8a9e9bc0f5">
+      <UserInfo>
+        <DisplayName/>
+        <AccountId xsi:nil="true"/>
+        <AccountType/>
+      </UserInfo>
+    </Students>
+    <Student_Groups xmlns="dc781de3-bafc-4db7-a392-5d8a9e9bc0f5">
+      <UserInfo>
+        <DisplayName/>
+        <AccountId xsi:nil="true"/>
+        <AccountType/>
+      </UserInfo>
+    </Student_Groups>
+    <Invited_Teachers xmlns="dc781de3-bafc-4db7-a392-5d8a9e9bc0f5" xsi:nil="true"/>
+    <Self_Registration_Enabled xmlns="dc781de3-bafc-4db7-a392-5d8a9e9bc0f5" xsi:nil="true"/>
+  </documentManagement>
+</p:properties>
+</file>
+
+<file path=customXml/item2.xml><?xml version="1.0" encoding="utf-8"?>
+<?mso-contentType ?>
+<FormTemplates xmlns="http://schemas.microsoft.com/sharepoint/v3/contenttype/forms">
+  <Display>DocumentLibraryForm</Display>
+  <Edit>DocumentLibraryForm</Edit>
+  <New>DocumentLibraryForm</New>
+</FormTemplates>
+</file>
+
+<file path=customXml/item3.xml><?xml version="1.0" encoding="utf-8"?>
 <ct:contentTypeSchema xmlns:ct="http://schemas.microsoft.com/office/2006/metadata/contentType" xmlns:ma="http://schemas.microsoft.com/office/2006/metadata/properties/metaAttributes" ct:_="" ma:_="" ma:contentTypeName="Document" ma:contentTypeID="0x010100183530F9ADBD1D48AC3974C37B1F16E8" ma:contentTypeVersion="24" ma:contentTypeDescription="Create a new document." ma:contentTypeScope="" ma:versionID="70394ba201040ca3d815e3c4f7012274">
   <xsd:schema xmlns:xsd="http://www.w3.org/2001/XMLSchema" xmlns:xs="http://www.w3.org/2001/XMLSchema" xmlns:p="http://schemas.microsoft.com/office/2006/metadata/properties" xmlns:ns3="72339acb-e8cc-4142-9dab-9dca3e7dada8" xmlns:ns4="dc781de3-bafc-4db7-a392-5d8a9e9bc0f5" targetNamespace="http://schemas.microsoft.com/office/2006/metadata/properties" ma:root="true" ma:fieldsID="d0d4fd1207dbf170f06c018f7c6b1e9a" ns3:_="" ns4:_="">
     <xsd:import namespace="72339acb-e8cc-4142-9dab-9dca3e7dada8"/>
@@ -4448,58 +5726,32 @@
 </ct:contentTypeSchema>
 </file>
 
-<file path=customXml/item2.xml><?xml version="1.0" encoding="utf-8"?>
-<p:properties xmlns:p="http://schemas.microsoft.com/office/2006/metadata/properties" xmlns:xsi="http://www.w3.org/2001/XMLSchema-instance" xmlns:pc="http://schemas.microsoft.com/office/infopath/2007/PartnerControls">
-  <documentManagement>
-    <NotebookType xmlns="dc781de3-bafc-4db7-a392-5d8a9e9bc0f5" xsi:nil="true"/>
-    <Invited_Students xmlns="dc781de3-bafc-4db7-a392-5d8a9e9bc0f5" xsi:nil="true"/>
-    <FolderType xmlns="dc781de3-bafc-4db7-a392-5d8a9e9bc0f5" xsi:nil="true"/>
-    <Owner xmlns="dc781de3-bafc-4db7-a392-5d8a9e9bc0f5">
-      <UserInfo>
-        <DisplayName/>
-        <AccountId xsi:nil="true"/>
-        <AccountType/>
-      </UserInfo>
-    </Owner>
-    <AppVersion xmlns="dc781de3-bafc-4db7-a392-5d8a9e9bc0f5" xsi:nil="true"/>
-    <DefaultSectionNames xmlns="dc781de3-bafc-4db7-a392-5d8a9e9bc0f5" xsi:nil="true"/>
-    <Teachers xmlns="dc781de3-bafc-4db7-a392-5d8a9e9bc0f5">
-      <UserInfo>
-        <DisplayName/>
-        <AccountId xsi:nil="true"/>
-        <AccountType/>
-      </UserInfo>
-    </Teachers>
-    <Students xmlns="dc781de3-bafc-4db7-a392-5d8a9e9bc0f5">
-      <UserInfo>
-        <DisplayName/>
-        <AccountId xsi:nil="true"/>
-        <AccountType/>
-      </UserInfo>
-    </Students>
-    <Student_Groups xmlns="dc781de3-bafc-4db7-a392-5d8a9e9bc0f5">
-      <UserInfo>
-        <DisplayName/>
-        <AccountId xsi:nil="true"/>
-        <AccountType/>
-      </UserInfo>
-    </Student_Groups>
-    <Invited_Teachers xmlns="dc781de3-bafc-4db7-a392-5d8a9e9bc0f5" xsi:nil="true"/>
-    <Self_Registration_Enabled xmlns="dc781de3-bafc-4db7-a392-5d8a9e9bc0f5" xsi:nil="true"/>
-  </documentManagement>
-</p:properties>
+<file path=customXml/itemProps1.xml><?xml version="1.0" encoding="utf-8"?>
+<ds:datastoreItem xmlns:ds="http://schemas.openxmlformats.org/officeDocument/2006/customXml" ds:itemID="{48338919-CAB7-4AC9-BE2B-610C7C37C733}">
+  <ds:schemaRefs>
+    <ds:schemaRef ds:uri="http://schemas.openxmlformats.org/package/2006/metadata/core-properties"/>
+    <ds:schemaRef ds:uri="http://purl.org/dc/dcmitype/"/>
+    <ds:schemaRef ds:uri="http://schemas.microsoft.com/office/2006/documentManagement/types"/>
+    <ds:schemaRef ds:uri="http://purl.org/dc/elements/1.1/"/>
+    <ds:schemaRef ds:uri="http://schemas.microsoft.com/office/infopath/2007/PartnerControls"/>
+    <ds:schemaRef ds:uri="dc781de3-bafc-4db7-a392-5d8a9e9bc0f5"/>
+    <ds:schemaRef ds:uri="72339acb-e8cc-4142-9dab-9dca3e7dada8"/>
+    <ds:schemaRef ds:uri="http://schemas.microsoft.com/office/2006/metadata/properties"/>
+    <ds:schemaRef ds:uri="http://www.w3.org/XML/1998/namespace"/>
+    <ds:schemaRef ds:uri="http://purl.org/dc/terms/"/>
+  </ds:schemaRefs>
+</ds:datastoreItem>
 </file>
 
-<file path=customXml/item3.xml><?xml version="1.0" encoding="utf-8"?>
-<?mso-contentType ?>
-<FormTemplates xmlns="http://schemas.microsoft.com/sharepoint/v3/contenttype/forms">
-  <Display>DocumentLibraryForm</Display>
-  <Edit>DocumentLibraryForm</Edit>
-  <New>DocumentLibraryForm</New>
-</FormTemplates>
+<file path=customXml/itemProps2.xml><?xml version="1.0" encoding="utf-8"?>
+<ds:datastoreItem xmlns:ds="http://schemas.openxmlformats.org/officeDocument/2006/customXml" ds:itemID="{90E91343-FC66-4181-B87C-967309332136}">
+  <ds:schemaRefs>
+    <ds:schemaRef ds:uri="http://schemas.microsoft.com/sharepoint/v3/contenttype/forms"/>
+  </ds:schemaRefs>
+</ds:datastoreItem>
 </file>
 
-<file path=customXml/itemProps1.xml><?xml version="1.0" encoding="utf-8"?>
+<file path=customXml/itemProps3.xml><?xml version="1.0" encoding="utf-8"?>
 <ds:datastoreItem xmlns:ds="http://schemas.openxmlformats.org/officeDocument/2006/customXml" ds:itemID="{6D556809-3C50-4FFA-808E-E6B975D92521}">
   <ds:schemaRefs>
     <ds:schemaRef ds:uri="http://schemas.microsoft.com/office/2006/metadata/contentType"/>
@@ -4516,29 +5768,4 @@
     <ds:schemaRef ds:uri="http://schemas.microsoft.com/internal/obd"/>
   </ds:schemaRefs>
 </ds:datastoreItem>
-</file>
-
-<file path=customXml/itemProps2.xml><?xml version="1.0" encoding="utf-8"?>
-<ds:datastoreItem xmlns:ds="http://schemas.openxmlformats.org/officeDocument/2006/customXml" ds:itemID="{48338919-CAB7-4AC9-BE2B-610C7C37C733}">
-  <ds:schemaRefs>
-    <ds:schemaRef ds:uri="72339acb-e8cc-4142-9dab-9dca3e7dada8"/>
-    <ds:schemaRef ds:uri="http://schemas.microsoft.com/office/2006/documentManagement/types"/>
-    <ds:schemaRef ds:uri="http://purl.org/dc/terms/"/>
-    <ds:schemaRef ds:uri="http://schemas.microsoft.com/office/2006/metadata/properties"/>
-    <ds:schemaRef ds:uri="http://schemas.microsoft.com/office/infopath/2007/PartnerControls"/>
-    <ds:schemaRef ds:uri="http://schemas.openxmlformats.org/package/2006/metadata/core-properties"/>
-    <ds:schemaRef ds:uri="http://purl.org/dc/elements/1.1/"/>
-    <ds:schemaRef ds:uri="http://purl.org/dc/dcmitype/"/>
-    <ds:schemaRef ds:uri="dc781de3-bafc-4db7-a392-5d8a9e9bc0f5"/>
-    <ds:schemaRef ds:uri="http://www.w3.org/XML/1998/namespace"/>
-  </ds:schemaRefs>
-</ds:datastoreItem>
-</file>
-
-<file path=customXml/itemProps3.xml><?xml version="1.0" encoding="utf-8"?>
-<ds:datastoreItem xmlns:ds="http://schemas.openxmlformats.org/officeDocument/2006/customXml" ds:itemID="{90E91343-FC66-4181-B87C-967309332136}">
-  <ds:schemaRefs>
-    <ds:schemaRef ds:uri="http://schemas.microsoft.com/sharepoint/v3/contenttype/forms"/>
-  </ds:schemaRefs>
-</ds:datastoreItem>
 </file>
--- a/A1 Poster COMP1004 MB.pptx
+++ b/A1 Poster COMP1004 MB.pptx
@@ -153,18 +153,18 @@
   <pc:docChgLst>
     <pc:chgData name="Martin Bath" userId="10ed2a8438d10cb3" providerId="LiveId" clId="{83C842FE-6995-4882-B72E-D3713F9D48BE}"/>
     <pc:docChg chg="modSld modNotesMaster">
-      <pc:chgData name="Martin Bath" userId="10ed2a8438d10cb3" providerId="LiveId" clId="{83C842FE-6995-4882-B72E-D3713F9D48BE}" dt="2025-03-18T18:24:38.959" v="229" actId="14100"/>
+      <pc:chgData name="Martin Bath" userId="10ed2a8438d10cb3" providerId="LiveId" clId="{83C842FE-6995-4882-B72E-D3713F9D48BE}" dt="2025-03-21T15:36:13.543" v="350" actId="1035"/>
       <pc:docMkLst>
         <pc:docMk/>
       </pc:docMkLst>
       <pc:sldChg chg="addSp modSp mod setBg modNotes">
-        <pc:chgData name="Martin Bath" userId="10ed2a8438d10cb3" providerId="LiveId" clId="{83C842FE-6995-4882-B72E-D3713F9D48BE}" dt="2025-03-18T18:24:38.959" v="229" actId="14100"/>
+        <pc:chgData name="Martin Bath" userId="10ed2a8438d10cb3" providerId="LiveId" clId="{83C842FE-6995-4882-B72E-D3713F9D48BE}" dt="2025-03-21T15:36:13.543" v="350" actId="1035"/>
         <pc:sldMkLst>
           <pc:docMk/>
           <pc:sldMk cId="530449856" sldId="256"/>
         </pc:sldMkLst>
         <pc:spChg chg="add mod">
-          <ac:chgData name="Martin Bath" userId="10ed2a8438d10cb3" providerId="LiveId" clId="{83C842FE-6995-4882-B72E-D3713F9D48BE}" dt="2025-03-17T22:17:20.522" v="28" actId="255"/>
+          <ac:chgData name="Martin Bath" userId="10ed2a8438d10cb3" providerId="LiveId" clId="{83C842FE-6995-4882-B72E-D3713F9D48BE}" dt="2025-03-21T15:36:13.543" v="350" actId="1035"/>
           <ac:spMkLst>
             <pc:docMk/>
             <pc:sldMk cId="530449856" sldId="256"/>
@@ -172,7 +172,7 @@
           </ac:spMkLst>
         </pc:spChg>
         <pc:spChg chg="add mod">
-          <ac:chgData name="Martin Bath" userId="10ed2a8438d10cb3" providerId="LiveId" clId="{83C842FE-6995-4882-B72E-D3713F9D48BE}" dt="2025-03-18T18:23:17.479" v="89" actId="1037"/>
+          <ac:chgData name="Martin Bath" userId="10ed2a8438d10cb3" providerId="LiveId" clId="{83C842FE-6995-4882-B72E-D3713F9D48BE}" dt="2025-03-21T15:36:07.874" v="332" actId="1036"/>
           <ac:spMkLst>
             <pc:docMk/>
             <pc:sldMk cId="530449856" sldId="256"/>
@@ -196,7 +196,7 @@
           </ac:spMkLst>
         </pc:spChg>
         <pc:picChg chg="mod">
-          <ac:chgData name="Martin Bath" userId="10ed2a8438d10cb3" providerId="LiveId" clId="{83C842FE-6995-4882-B72E-D3713F9D48BE}" dt="2025-03-18T18:24:38.959" v="229" actId="14100"/>
+          <ac:chgData name="Martin Bath" userId="10ed2a8438d10cb3" providerId="LiveId" clId="{83C842FE-6995-4882-B72E-D3713F9D48BE}" dt="2025-03-21T12:05:50.834" v="267" actId="1037"/>
           <ac:picMkLst>
             <pc:docMk/>
             <pc:sldMk cId="530449856" sldId="256"/>
@@ -204,7 +204,7 @@
           </ac:picMkLst>
         </pc:picChg>
         <pc:picChg chg="mod">
-          <ac:chgData name="Martin Bath" userId="10ed2a8438d10cb3" providerId="LiveId" clId="{83C842FE-6995-4882-B72E-D3713F9D48BE}" dt="2025-03-18T18:24:18.751" v="197" actId="1038"/>
+          <ac:chgData name="Martin Bath" userId="10ed2a8438d10cb3" providerId="LiveId" clId="{83C842FE-6995-4882-B72E-D3713F9D48BE}" dt="2025-03-21T15:35:56.810" v="322" actId="1037"/>
           <ac:picMkLst>
             <pc:docMk/>
             <pc:sldMk cId="530449856" sldId="256"/>
@@ -212,7 +212,7 @@
           </ac:picMkLst>
         </pc:picChg>
         <pc:picChg chg="mod">
-          <ac:chgData name="Martin Bath" userId="10ed2a8438d10cb3" providerId="LiveId" clId="{83C842FE-6995-4882-B72E-D3713F9D48BE}" dt="2025-03-18T18:19:09.229" v="49" actId="14826"/>
+          <ac:chgData name="Martin Bath" userId="10ed2a8438d10cb3" providerId="LiveId" clId="{83C842FE-6995-4882-B72E-D3713F9D48BE}" dt="2025-03-21T12:05:54.868" v="285" actId="1036"/>
           <ac:picMkLst>
             <pc:docMk/>
             <pc:sldMk cId="530449856" sldId="256"/>
@@ -307,7 +307,7 @@
           <a:p>
             <a:fld id="{40B2206F-7194-4E11-805A-5295AF5385CE}" type="datetimeFigureOut">
               <a:rPr lang="en-GB" smtClean="0"/>
-              <a:t>18/03/2025</a:t>
+              <a:t>21/03/2025</a:t>
             </a:fld>
             <a:endParaRPr lang="en-GB" dirty="0"/>
           </a:p>
@@ -795,7 +795,7 @@
           <a:p>
             <a:fld id="{1381CABE-BD8A-4ED8-BE60-32148880DEC7}" type="datetimeFigureOut">
               <a:rPr lang="en-GB" smtClean="0"/>
-              <a:t>18/03/2025</a:t>
+              <a:t>21/03/2025</a:t>
             </a:fld>
             <a:endParaRPr lang="en-GB" dirty="0"/>
           </a:p>
@@ -965,7 +965,7 @@
           <a:p>
             <a:fld id="{1381CABE-BD8A-4ED8-BE60-32148880DEC7}" type="datetimeFigureOut">
               <a:rPr lang="en-GB" smtClean="0"/>
-              <a:t>18/03/2025</a:t>
+              <a:t>21/03/2025</a:t>
             </a:fld>
             <a:endParaRPr lang="en-GB" dirty="0"/>
           </a:p>
@@ -1145,7 +1145,7 @@
           <a:p>
             <a:fld id="{1381CABE-BD8A-4ED8-BE60-32148880DEC7}" type="datetimeFigureOut">
               <a:rPr lang="en-GB" smtClean="0"/>
-              <a:t>18/03/2025</a:t>
+              <a:t>21/03/2025</a:t>
             </a:fld>
             <a:endParaRPr lang="en-GB" dirty="0"/>
           </a:p>
@@ -1315,7 +1315,7 @@
           <a:p>
             <a:fld id="{1381CABE-BD8A-4ED8-BE60-32148880DEC7}" type="datetimeFigureOut">
               <a:rPr lang="en-GB" smtClean="0"/>
-              <a:t>18/03/2025</a:t>
+              <a:t>21/03/2025</a:t>
             </a:fld>
             <a:endParaRPr lang="en-GB" dirty="0"/>
           </a:p>
@@ -1559,7 +1559,7 @@
           <a:p>
             <a:fld id="{1381CABE-BD8A-4ED8-BE60-32148880DEC7}" type="datetimeFigureOut">
               <a:rPr lang="en-GB" smtClean="0"/>
-              <a:t>18/03/2025</a:t>
+              <a:t>21/03/2025</a:t>
             </a:fld>
             <a:endParaRPr lang="en-GB" dirty="0"/>
           </a:p>
@@ -1791,7 +1791,7 @@
           <a:p>
             <a:fld id="{1381CABE-BD8A-4ED8-BE60-32148880DEC7}" type="datetimeFigureOut">
               <a:rPr lang="en-GB" smtClean="0"/>
-              <a:t>18/03/2025</a:t>
+              <a:t>21/03/2025</a:t>
             </a:fld>
             <a:endParaRPr lang="en-GB" dirty="0"/>
           </a:p>
@@ -2158,7 +2158,7 @@
           <a:p>
             <a:fld id="{1381CABE-BD8A-4ED8-BE60-32148880DEC7}" type="datetimeFigureOut">
               <a:rPr lang="en-GB" smtClean="0"/>
-              <a:t>18/03/2025</a:t>
+              <a:t>21/03/2025</a:t>
             </a:fld>
             <a:endParaRPr lang="en-GB" dirty="0"/>
           </a:p>
@@ -2276,7 +2276,7 @@
           <a:p>
             <a:fld id="{1381CABE-BD8A-4ED8-BE60-32148880DEC7}" type="datetimeFigureOut">
               <a:rPr lang="en-GB" smtClean="0"/>
-              <a:t>18/03/2025</a:t>
+              <a:t>21/03/2025</a:t>
             </a:fld>
             <a:endParaRPr lang="en-GB" dirty="0"/>
           </a:p>
@@ -2371,7 +2371,7 @@
           <a:p>
             <a:fld id="{1381CABE-BD8A-4ED8-BE60-32148880DEC7}" type="datetimeFigureOut">
               <a:rPr lang="en-GB" smtClean="0"/>
-              <a:t>18/03/2025</a:t>
+              <a:t>21/03/2025</a:t>
             </a:fld>
             <a:endParaRPr lang="en-GB" dirty="0"/>
           </a:p>
@@ -2648,7 +2648,7 @@
           <a:p>
             <a:fld id="{1381CABE-BD8A-4ED8-BE60-32148880DEC7}" type="datetimeFigureOut">
               <a:rPr lang="en-GB" smtClean="0"/>
-              <a:t>18/03/2025</a:t>
+              <a:t>21/03/2025</a:t>
             </a:fld>
             <a:endParaRPr lang="en-GB" dirty="0"/>
           </a:p>
@@ -2905,7 +2905,7 @@
           <a:p>
             <a:fld id="{1381CABE-BD8A-4ED8-BE60-32148880DEC7}" type="datetimeFigureOut">
               <a:rPr lang="en-GB" smtClean="0"/>
-              <a:t>18/03/2025</a:t>
+              <a:t>21/03/2025</a:t>
             </a:fld>
             <a:endParaRPr lang="en-GB" dirty="0"/>
           </a:p>
@@ -3118,7 +3118,7 @@
           <a:p>
             <a:fld id="{1381CABE-BD8A-4ED8-BE60-32148880DEC7}" type="datetimeFigureOut">
               <a:rPr lang="en-GB" smtClean="0"/>
-              <a:t>18/03/2025</a:t>
+              <a:t>21/03/2025</a:t>
             </a:fld>
             <a:endParaRPr lang="en-GB" dirty="0"/>
           </a:p>
@@ -3846,7 +3846,7 @@
         </p:nvSpPr>
         <p:spPr>
           <a:xfrm>
-            <a:off x="7535528" y="1089454"/>
+            <a:off x="7535528" y="656320"/>
             <a:ext cx="13451307" cy="1323439"/>
           </a:xfrm>
           <a:prstGeom prst="rect">
@@ -3914,8 +3914,8 @@
         </p:nvSpPr>
         <p:spPr>
           <a:xfrm>
-            <a:off x="3948705" y="3874773"/>
-            <a:ext cx="7291136" cy="6872715"/>
+            <a:off x="2646948" y="3017984"/>
+            <a:ext cx="8496641" cy="7879529"/>
           </a:xfrm>
           <a:prstGeom prst="rect">
             <a:avLst/>
@@ -4009,7 +4009,7 @@
               </a:spcAft>
             </a:pPr>
             <a:r>
-              <a:rPr lang="en-GB" sz="2400" kern="100" dirty="0">
+              <a:rPr lang="en-GB" sz="2800" kern="100" dirty="0">
                 <a:effectLst/>
                 <a:latin typeface="Aptos" panose="020B0004020202020204" pitchFamily="34" charset="0"/>
                 <a:ea typeface="Aptos" panose="020B0004020202020204" pitchFamily="34" charset="0"/>
@@ -4018,7 +4018,7 @@
               <a:t>Suggested by staff and pupils Eat That Frog (eatthatfrog.ac.uk), a specialist post-16 institution, the app was to incorporate 9 mini games of Noughts &amp; Crosses within a larger game of Noughts &amp; Crosses to achieve a game which worked on many levels, where pupils could play on their own or against a tutor during 1-2-1 sessions. The colour scheme was to be dyslexia friendly as per the “Dyslexia friendly style guide”  the  British Dyslexia Association (</a:t>
             </a:r>
             <a:r>
-              <a:rPr lang="en-GB" sz="2400" kern="100" dirty="0">
+              <a:rPr lang="en-GB" sz="2800" kern="100" dirty="0">
                 <a:solidFill>
                   <a:srgbClr val="467886"/>
                 </a:solidFill>
@@ -4030,7 +4030,7 @@
               <a:t>www.bdadyslexia.org.uk</a:t>
             </a:r>
             <a:r>
-              <a:rPr lang="en-GB" sz="2400" kern="100" dirty="0">
+              <a:rPr lang="en-GB" sz="2800" kern="100" dirty="0">
                 <a:effectLst/>
                 <a:latin typeface="Aptos" panose="020B0004020202020204" pitchFamily="34" charset="0"/>
                 <a:ea typeface="Aptos" panose="020B0004020202020204" pitchFamily="34" charset="0"/>
@@ -4563,7 +4563,7 @@
         </p:blipFill>
         <p:spPr>
           <a:xfrm>
-            <a:off x="3342417" y="11288211"/>
+            <a:off x="3101787" y="11697282"/>
             <a:ext cx="5700986" cy="5026609"/>
           </a:xfrm>
           <a:prstGeom prst="rect">
@@ -4660,7 +4660,7 @@
         </p:blipFill>
         <p:spPr>
           <a:xfrm>
-            <a:off x="13178387" y="3242304"/>
+            <a:off x="13178387" y="3675438"/>
             <a:ext cx="3364989" cy="3391519"/>
           </a:xfrm>
           <a:prstGeom prst="rect">
@@ -4720,8 +4720,8 @@
         </p:blipFill>
         <p:spPr>
           <a:xfrm>
-            <a:off x="20845723" y="11526254"/>
-            <a:ext cx="5317640" cy="5058243"/>
+            <a:off x="21223709" y="12045440"/>
+            <a:ext cx="4265889" cy="4057796"/>
           </a:xfrm>
           <a:prstGeom prst="rect">
             <a:avLst/>
@@ -5367,15 +5367,6 @@
 </file>
 
 <file path=customXml/item2.xml><?xml version="1.0" encoding="utf-8"?>
-<?mso-contentType ?>
-<FormTemplates xmlns="http://schemas.microsoft.com/sharepoint/v3/contenttype/forms">
-  <Display>DocumentLibraryForm</Display>
-  <Edit>DocumentLibraryForm</Edit>
-  <New>DocumentLibraryForm</New>
-</FormTemplates>
-</file>
-
-<file path=customXml/item3.xml><?xml version="1.0" encoding="utf-8"?>
 <ct:contentTypeSchema xmlns:ct="http://schemas.microsoft.com/office/2006/metadata/contentType" xmlns:ma="http://schemas.microsoft.com/office/2006/metadata/properties/metaAttributes" ct:_="" ma:_="" ma:contentTypeName="Document" ma:contentTypeID="0x010100183530F9ADBD1D48AC3974C37B1F16E8" ma:contentTypeVersion="24" ma:contentTypeDescription="Create a new document." ma:contentTypeScope="" ma:versionID="70394ba201040ca3d815e3c4f7012274">
   <xsd:schema xmlns:xsd="http://www.w3.org/2001/XMLSchema" xmlns:xs="http://www.w3.org/2001/XMLSchema" xmlns:p="http://schemas.microsoft.com/office/2006/metadata/properties" xmlns:ns3="72339acb-e8cc-4142-9dab-9dca3e7dada8" xmlns:ns4="dc781de3-bafc-4db7-a392-5d8a9e9bc0f5" targetNamespace="http://schemas.microsoft.com/office/2006/metadata/properties" ma:root="true" ma:fieldsID="d0d4fd1207dbf170f06c018f7c6b1e9a" ns3:_="" ns4:_="">
     <xsd:import namespace="72339acb-e8cc-4142-9dab-9dca3e7dada8"/>
@@ -5726,6 +5717,15 @@
 </ct:contentTypeSchema>
 </file>
 
+<file path=customXml/item3.xml><?xml version="1.0" encoding="utf-8"?>
+<?mso-contentType ?>
+<FormTemplates xmlns="http://schemas.microsoft.com/sharepoint/v3/contenttype/forms">
+  <Display>DocumentLibraryForm</Display>
+  <Edit>DocumentLibraryForm</Edit>
+  <New>DocumentLibraryForm</New>
+</FormTemplates>
+</file>
+
 <file path=customXml/itemProps1.xml><?xml version="1.0" encoding="utf-8"?>
 <ds:datastoreItem xmlns:ds="http://schemas.openxmlformats.org/officeDocument/2006/customXml" ds:itemID="{48338919-CAB7-4AC9-BE2B-610C7C37C733}">
   <ds:schemaRefs>
@@ -5744,14 +5744,6 @@
 </file>
 
 <file path=customXml/itemProps2.xml><?xml version="1.0" encoding="utf-8"?>
-<ds:datastoreItem xmlns:ds="http://schemas.openxmlformats.org/officeDocument/2006/customXml" ds:itemID="{90E91343-FC66-4181-B87C-967309332136}">
-  <ds:schemaRefs>
-    <ds:schemaRef ds:uri="http://schemas.microsoft.com/sharepoint/v3/contenttype/forms"/>
-  </ds:schemaRefs>
-</ds:datastoreItem>
-</file>
-
-<file path=customXml/itemProps3.xml><?xml version="1.0" encoding="utf-8"?>
 <ds:datastoreItem xmlns:ds="http://schemas.openxmlformats.org/officeDocument/2006/customXml" ds:itemID="{6D556809-3C50-4FFA-808E-E6B975D92521}">
   <ds:schemaRefs>
     <ds:schemaRef ds:uri="http://schemas.microsoft.com/office/2006/metadata/contentType"/>
@@ -5768,4 +5760,12 @@
     <ds:schemaRef ds:uri="http://schemas.microsoft.com/internal/obd"/>
   </ds:schemaRefs>
 </ds:datastoreItem>
+</file>
+
+<file path=customXml/itemProps3.xml><?xml version="1.0" encoding="utf-8"?>
+<ds:datastoreItem xmlns:ds="http://schemas.openxmlformats.org/officeDocument/2006/customXml" ds:itemID="{90E91343-FC66-4181-B87C-967309332136}">
+  <ds:schemaRefs>
+    <ds:schemaRef ds:uri="http://schemas.microsoft.com/sharepoint/v3/contenttype/forms"/>
+  </ds:schemaRefs>
+</ds:datastoreItem>
 </file>